--- a/Share/游戏设计分享/游戏设计理论--辅助理论.pptx
+++ b/Share/游戏设计分享/游戏设计理论--辅助理论.pptx
@@ -5,22 +5,22 @@
     <p:sldMasterId id="2147483648" r:id="rId1"/>
   </p:sldMasterIdLst>
   <p:notesMasterIdLst>
-    <p:notesMasterId r:id="rId16"/>
+    <p:notesMasterId r:id="rId15"/>
   </p:notesMasterIdLst>
   <p:sldIdLst>
-    <p:sldId id="256" r:id="rId3"/>
-    <p:sldId id="297" r:id="rId4"/>
-    <p:sldId id="298" r:id="rId5"/>
-    <p:sldId id="299" r:id="rId6"/>
-    <p:sldId id="300" r:id="rId7"/>
-    <p:sldId id="301" r:id="rId8"/>
-    <p:sldId id="302" r:id="rId9"/>
-    <p:sldId id="303" r:id="rId10"/>
-    <p:sldId id="304" r:id="rId11"/>
-    <p:sldId id="305" r:id="rId12"/>
-    <p:sldId id="306" r:id="rId13"/>
-    <p:sldId id="307" r:id="rId14"/>
-    <p:sldId id="308" r:id="rId15"/>
+    <p:sldId id="256" r:id="rId2"/>
+    <p:sldId id="297" r:id="rId3"/>
+    <p:sldId id="298" r:id="rId4"/>
+    <p:sldId id="299" r:id="rId5"/>
+    <p:sldId id="300" r:id="rId6"/>
+    <p:sldId id="301" r:id="rId7"/>
+    <p:sldId id="302" r:id="rId8"/>
+    <p:sldId id="303" r:id="rId9"/>
+    <p:sldId id="304" r:id="rId10"/>
+    <p:sldId id="305" r:id="rId11"/>
+    <p:sldId id="306" r:id="rId12"/>
+    <p:sldId id="307" r:id="rId13"/>
+    <p:sldId id="308" r:id="rId14"/>
   </p:sldIdLst>
   <p:sldSz cx="12192000" cy="6858000"/>
   <p:notesSz cx="6858000" cy="9144000"/>
@@ -141,13 +141,16 @@
           <p14:sldIdLst>
             <p14:sldId id="303"/>
             <p14:sldId id="304"/>
+            <p14:sldId id="305"/>
             <p14:sldId id="306"/>
+            <p14:sldId id="307"/>
             <p14:sldId id="308"/>
-            <p14:sldId id="307"/>
-            <p14:sldId id="305"/>
           </p14:sldIdLst>
         </p14:section>
       </p14:sectionLst>
+    </p:ext>
+    <p:ext uri="{EFAFB233-063F-42B5-8137-9DF3F51BA10A}">
+      <p15:sldGuideLst xmlns:p15="http://schemas.microsoft.com/office/powerpoint/2012/main"/>
     </p:ext>
   </p:extLst>
 </p:presentation>
@@ -1087,22 +1090,17 @@
         <a:lstStyle/>
         <a:p>
           <a:r>
-            <a:rPr lang="zh-CN" altLang="en-US" sz="2000" dirty="0" smtClean="0">
+            <a:rPr lang="zh-CN" altLang="en-US" sz="2000" dirty="0">
               <a:solidFill>
                 <a:schemeClr val="bg1"/>
               </a:solidFill>
             </a:rPr>
             <a:t>社会需求</a:t>
           </a:r>
-          <a:endParaRPr lang="zh-CN" altLang="en-US" sz="2000" dirty="0">
-            <a:solidFill>
-              <a:schemeClr val="bg1"/>
-            </a:solidFill>
-          </a:endParaRPr>
         </a:p>
       </dgm:t>
     </dgm:pt>
-    <dgm:pt modelId="{D40CF35A-242D-48C7-A10E-955699FF4829}" cxnId="{9A5464EB-735A-490A-AFC3-39826925E0EF}" type="parTrans">
+    <dgm:pt modelId="{D40CF35A-242D-48C7-A10E-955699FF4829}" type="parTrans" cxnId="{9A5464EB-735A-490A-AFC3-39826925E0EF}">
       <dgm:prSet/>
       <dgm:spPr/>
       <dgm:t>
@@ -1113,7 +1111,7 @@
         </a:p>
       </dgm:t>
     </dgm:pt>
-    <dgm:pt modelId="{9A755348-CE92-4DF9-975F-6F4135E7D3A4}" cxnId="{9A5464EB-735A-490A-AFC3-39826925E0EF}" type="sibTrans">
+    <dgm:pt modelId="{9A755348-CE92-4DF9-975F-6F4135E7D3A4}" type="sibTrans" cxnId="{9A5464EB-735A-490A-AFC3-39826925E0EF}">
       <dgm:prSet/>
       <dgm:spPr/>
       <dgm:t>
@@ -1132,22 +1130,17 @@
         <a:lstStyle/>
         <a:p>
           <a:r>
-            <a:rPr lang="zh-CN" altLang="en-US" sz="2000" dirty="0" smtClean="0">
+            <a:rPr lang="zh-CN" altLang="en-US" sz="2000" dirty="0">
               <a:solidFill>
                 <a:schemeClr val="bg1"/>
               </a:solidFill>
             </a:rPr>
             <a:t>安全需求</a:t>
           </a:r>
-          <a:endParaRPr lang="zh-CN" altLang="en-US" sz="2000" dirty="0">
-            <a:solidFill>
-              <a:schemeClr val="bg1"/>
-            </a:solidFill>
-          </a:endParaRPr>
         </a:p>
       </dgm:t>
     </dgm:pt>
-    <dgm:pt modelId="{E8AB2A60-80B7-4BFD-A26E-520DE88FC7B6}" cxnId="{B9605CCB-56D2-4CB0-9C20-2E54709DCE36}" type="parTrans">
+    <dgm:pt modelId="{E8AB2A60-80B7-4BFD-A26E-520DE88FC7B6}" type="parTrans" cxnId="{B9605CCB-56D2-4CB0-9C20-2E54709DCE36}">
       <dgm:prSet/>
       <dgm:spPr/>
       <dgm:t>
@@ -1158,7 +1151,7 @@
         </a:p>
       </dgm:t>
     </dgm:pt>
-    <dgm:pt modelId="{9E673045-4E3C-4AF5-B03D-AFE33D78ABF1}" cxnId="{B9605CCB-56D2-4CB0-9C20-2E54709DCE36}" type="sibTrans">
+    <dgm:pt modelId="{9E673045-4E3C-4AF5-B03D-AFE33D78ABF1}" type="sibTrans" cxnId="{B9605CCB-56D2-4CB0-9C20-2E54709DCE36}">
       <dgm:prSet/>
       <dgm:spPr/>
       <dgm:t>
@@ -1177,22 +1170,17 @@
         <a:lstStyle/>
         <a:p>
           <a:r>
-            <a:rPr lang="zh-CN" altLang="en-US" sz="2000" dirty="0" smtClean="0">
+            <a:rPr lang="zh-CN" altLang="en-US" sz="2000" dirty="0">
               <a:solidFill>
                 <a:schemeClr val="bg1"/>
               </a:solidFill>
             </a:rPr>
             <a:t>生理需求</a:t>
           </a:r>
-          <a:endParaRPr lang="zh-CN" altLang="en-US" sz="2000" dirty="0">
-            <a:solidFill>
-              <a:schemeClr val="bg1"/>
-            </a:solidFill>
-          </a:endParaRPr>
         </a:p>
       </dgm:t>
     </dgm:pt>
-    <dgm:pt modelId="{66AE7D25-8F4C-49FC-A7CB-A43EB4A7F99D}" cxnId="{F3258BAB-93BD-4537-A502-C98A7074C551}" type="parTrans">
+    <dgm:pt modelId="{66AE7D25-8F4C-49FC-A7CB-A43EB4A7F99D}" type="parTrans" cxnId="{F3258BAB-93BD-4537-A502-C98A7074C551}">
       <dgm:prSet/>
       <dgm:spPr/>
       <dgm:t>
@@ -1203,7 +1191,7 @@
         </a:p>
       </dgm:t>
     </dgm:pt>
-    <dgm:pt modelId="{90A4C9C5-1D24-49AE-AD33-6AFB76515EEE}" cxnId="{F3258BAB-93BD-4537-A502-C98A7074C551}" type="sibTrans">
+    <dgm:pt modelId="{90A4C9C5-1D24-49AE-AD33-6AFB76515EEE}" type="sibTrans" cxnId="{F3258BAB-93BD-4537-A502-C98A7074C551}">
       <dgm:prSet/>
       <dgm:spPr/>
       <dgm:t>
@@ -1222,22 +1210,17 @@
         <a:lstStyle/>
         <a:p>
           <a:r>
-            <a:rPr lang="zh-CN" altLang="en-US" sz="2000" dirty="0" smtClean="0">
+            <a:rPr lang="zh-CN" altLang="en-US" sz="2000" dirty="0">
               <a:solidFill>
                 <a:schemeClr val="bg1"/>
               </a:solidFill>
             </a:rPr>
             <a:t>尊重需求</a:t>
           </a:r>
-          <a:endParaRPr lang="zh-CN" altLang="en-US" sz="2000" dirty="0">
-            <a:solidFill>
-              <a:schemeClr val="bg1"/>
-            </a:solidFill>
-          </a:endParaRPr>
         </a:p>
       </dgm:t>
     </dgm:pt>
-    <dgm:pt modelId="{F6DD892E-3C4E-4813-A384-B08CA3B1961D}" cxnId="{B6C87F15-CE6A-4ED0-8C70-7746E9721DCD}" type="parTrans">
+    <dgm:pt modelId="{F6DD892E-3C4E-4813-A384-B08CA3B1961D}" type="parTrans" cxnId="{B6C87F15-CE6A-4ED0-8C70-7746E9721DCD}">
       <dgm:prSet/>
       <dgm:spPr/>
       <dgm:t>
@@ -1248,7 +1231,7 @@
         </a:p>
       </dgm:t>
     </dgm:pt>
-    <dgm:pt modelId="{04E1016B-A417-4ADD-86A1-BFADC5AAD730}" cxnId="{B6C87F15-CE6A-4ED0-8C70-7746E9721DCD}" type="sibTrans">
+    <dgm:pt modelId="{04E1016B-A417-4ADD-86A1-BFADC5AAD730}" type="sibTrans" cxnId="{B6C87F15-CE6A-4ED0-8C70-7746E9721DCD}">
       <dgm:prSet/>
       <dgm:spPr/>
       <dgm:t>
@@ -1267,22 +1250,17 @@
         <a:lstStyle/>
         <a:p>
           <a:r>
-            <a:rPr lang="zh-CN" altLang="en-US" sz="2000" dirty="0" smtClean="0">
+            <a:rPr lang="zh-CN" altLang="en-US" sz="2000" dirty="0">
               <a:solidFill>
                 <a:schemeClr val="bg1"/>
               </a:solidFill>
             </a:rPr>
             <a:t>自我实现</a:t>
           </a:r>
-          <a:endParaRPr lang="zh-CN" altLang="en-US" sz="2000" dirty="0">
-            <a:solidFill>
-              <a:schemeClr val="bg1"/>
-            </a:solidFill>
-          </a:endParaRPr>
         </a:p>
       </dgm:t>
     </dgm:pt>
-    <dgm:pt modelId="{A9C638E4-46E0-4330-9B8B-BC7A6E5D2CA2}" cxnId="{C755B11C-81D9-444B-8234-C760D9BECDAD}" type="parTrans">
+    <dgm:pt modelId="{A9C638E4-46E0-4330-9B8B-BC7A6E5D2CA2}" type="parTrans" cxnId="{C755B11C-81D9-444B-8234-C760D9BECDAD}">
       <dgm:prSet/>
       <dgm:spPr/>
       <dgm:t>
@@ -1293,7 +1271,7 @@
         </a:p>
       </dgm:t>
     </dgm:pt>
-    <dgm:pt modelId="{2BFFBD98-E999-4007-B493-DA0BF522D766}" cxnId="{C755B11C-81D9-444B-8234-C760D9BECDAD}" type="sibTrans">
+    <dgm:pt modelId="{2BFFBD98-E999-4007-B493-DA0BF522D766}" type="sibTrans" cxnId="{C755B11C-81D9-444B-8234-C760D9BECDAD}">
       <dgm:prSet/>
       <dgm:spPr/>
       <dgm:t>
@@ -1326,13 +1304,6 @@
         </dgm:presLayoutVars>
       </dgm:prSet>
       <dgm:spPr/>
-      <dgm:t>
-        <a:bodyPr/>
-        <a:lstStyle/>
-        <a:p>
-          <a:endParaRPr lang="zh-CN" altLang="en-US"/>
-        </a:p>
-      </dgm:t>
     </dgm:pt>
     <dgm:pt modelId="{6FC045B7-15D0-48DB-96E7-EA06B6FB81AD}" type="pres">
       <dgm:prSet presAssocID="{18D6498C-7CC1-4F47-9BB9-199BA7945D81}" presName="levelTx" presStyleLbl="revTx" presStyleIdx="0" presStyleCnt="0">
@@ -1342,13 +1313,6 @@
         </dgm:presLayoutVars>
       </dgm:prSet>
       <dgm:spPr/>
-      <dgm:t>
-        <a:bodyPr/>
-        <a:lstStyle/>
-        <a:p>
-          <a:endParaRPr lang="zh-CN" altLang="en-US"/>
-        </a:p>
-      </dgm:t>
     </dgm:pt>
     <dgm:pt modelId="{202720A8-9ED9-4A21-A770-4D8E6C435169}" type="pres">
       <dgm:prSet presAssocID="{455E18DA-7681-4DC0-9081-516023E7B9ED}" presName="Name8" presStyleCnt="0"/>
@@ -1362,13 +1326,6 @@
         </dgm:presLayoutVars>
       </dgm:prSet>
       <dgm:spPr/>
-      <dgm:t>
-        <a:bodyPr/>
-        <a:lstStyle/>
-        <a:p>
-          <a:endParaRPr lang="zh-CN" altLang="en-US"/>
-        </a:p>
-      </dgm:t>
     </dgm:pt>
     <dgm:pt modelId="{9410ED56-26C2-41D0-9A8B-E3C5A6B28654}" type="pres">
       <dgm:prSet presAssocID="{455E18DA-7681-4DC0-9081-516023E7B9ED}" presName="levelTx" presStyleLbl="revTx" presStyleIdx="0" presStyleCnt="0">
@@ -1378,13 +1335,6 @@
         </dgm:presLayoutVars>
       </dgm:prSet>
       <dgm:spPr/>
-      <dgm:t>
-        <a:bodyPr/>
-        <a:lstStyle/>
-        <a:p>
-          <a:endParaRPr lang="zh-CN" altLang="en-US"/>
-        </a:p>
-      </dgm:t>
     </dgm:pt>
     <dgm:pt modelId="{30A925DA-914E-4EAF-906A-8AD6456B0D41}" type="pres">
       <dgm:prSet presAssocID="{DA3D2C2F-AF66-478F-94A4-AA106AED0C89}" presName="Name8" presStyleCnt="0"/>
@@ -1398,13 +1348,6 @@
         </dgm:presLayoutVars>
       </dgm:prSet>
       <dgm:spPr/>
-      <dgm:t>
-        <a:bodyPr/>
-        <a:lstStyle/>
-        <a:p>
-          <a:endParaRPr lang="zh-CN" altLang="en-US"/>
-        </a:p>
-      </dgm:t>
     </dgm:pt>
     <dgm:pt modelId="{B030CACE-06FF-440E-974E-D589D4810028}" type="pres">
       <dgm:prSet presAssocID="{DA3D2C2F-AF66-478F-94A4-AA106AED0C89}" presName="levelTx" presStyleLbl="revTx" presStyleIdx="0" presStyleCnt="0">
@@ -1414,13 +1357,6 @@
         </dgm:presLayoutVars>
       </dgm:prSet>
       <dgm:spPr/>
-      <dgm:t>
-        <a:bodyPr/>
-        <a:lstStyle/>
-        <a:p>
-          <a:endParaRPr lang="zh-CN" altLang="en-US"/>
-        </a:p>
-      </dgm:t>
     </dgm:pt>
     <dgm:pt modelId="{595D7355-0D7D-4781-BAA6-05C07301D1B5}" type="pres">
       <dgm:prSet presAssocID="{8CD6625B-BE30-4678-B0DF-5419F4545256}" presName="Name8" presStyleCnt="0"/>
@@ -1434,13 +1370,6 @@
         </dgm:presLayoutVars>
       </dgm:prSet>
       <dgm:spPr/>
-      <dgm:t>
-        <a:bodyPr/>
-        <a:lstStyle/>
-        <a:p>
-          <a:endParaRPr lang="zh-CN" altLang="en-US"/>
-        </a:p>
-      </dgm:t>
     </dgm:pt>
     <dgm:pt modelId="{7224076C-B102-444A-9F64-AD142CED9712}" type="pres">
       <dgm:prSet presAssocID="{8CD6625B-BE30-4678-B0DF-5419F4545256}" presName="levelTx" presStyleLbl="revTx" presStyleIdx="0" presStyleCnt="0">
@@ -1450,33 +1379,19 @@
         </dgm:presLayoutVars>
       </dgm:prSet>
       <dgm:spPr/>
-      <dgm:t>
-        <a:bodyPr/>
-        <a:lstStyle/>
-        <a:p>
-          <a:endParaRPr lang="zh-CN" altLang="en-US"/>
-        </a:p>
-      </dgm:t>
     </dgm:pt>
     <dgm:pt modelId="{651953F5-08E2-4F5C-8D79-EE73E9CCE3E3}" type="pres">
       <dgm:prSet presAssocID="{39484CA5-54E5-4D65-8293-2D8FB348402D}" presName="Name8" presStyleCnt="0"/>
       <dgm:spPr/>
     </dgm:pt>
     <dgm:pt modelId="{81AFE7C1-E2A0-438F-90BA-5BB157C0BD54}" type="pres">
-      <dgm:prSet presAssocID="{39484CA5-54E5-4D65-8293-2D8FB348402D}" presName="level" presStyleLbl="node1" presStyleIdx="4" presStyleCnt="5">
+      <dgm:prSet presAssocID="{39484CA5-54E5-4D65-8293-2D8FB348402D}" presName="level" presStyleLbl="node1" presStyleIdx="4" presStyleCnt="5" custLinFactNeighborX="355" custLinFactNeighborY="-4189">
         <dgm:presLayoutVars>
           <dgm:chMax val="1"/>
           <dgm:bulletEnabled val="1"/>
         </dgm:presLayoutVars>
       </dgm:prSet>
       <dgm:spPr/>
-      <dgm:t>
-        <a:bodyPr/>
-        <a:lstStyle/>
-        <a:p>
-          <a:endParaRPr lang="zh-CN" altLang="en-US"/>
-        </a:p>
-      </dgm:t>
     </dgm:pt>
     <dgm:pt modelId="{66868E93-F8E6-4069-948A-4931F7A1C609}" type="pres">
       <dgm:prSet presAssocID="{39484CA5-54E5-4D65-8293-2D8FB348402D}" presName="levelTx" presStyleLbl="revTx" presStyleIdx="0" presStyleCnt="0">
@@ -1486,30 +1401,23 @@
         </dgm:presLayoutVars>
       </dgm:prSet>
       <dgm:spPr/>
-      <dgm:t>
-        <a:bodyPr/>
-        <a:lstStyle/>
-        <a:p>
-          <a:endParaRPr lang="zh-CN" altLang="en-US"/>
-        </a:p>
-      </dgm:t>
     </dgm:pt>
   </dgm:ptLst>
   <dgm:cxnLst>
+    <dgm:cxn modelId="{B6C87F15-CE6A-4ED0-8C70-7746E9721DCD}" srcId="{259C5316-1681-451F-B48E-024199C5E1E1}" destId="{455E18DA-7681-4DC0-9081-516023E7B9ED}" srcOrd="1" destOrd="0" parTransId="{F6DD892E-3C4E-4813-A384-B08CA3B1961D}" sibTransId="{04E1016B-A417-4ADD-86A1-BFADC5AAD730}"/>
+    <dgm:cxn modelId="{C755B11C-81D9-444B-8234-C760D9BECDAD}" srcId="{259C5316-1681-451F-B48E-024199C5E1E1}" destId="{18D6498C-7CC1-4F47-9BB9-199BA7945D81}" srcOrd="0" destOrd="0" parTransId="{A9C638E4-46E0-4330-9B8B-BC7A6E5D2CA2}" sibTransId="{2BFFBD98-E999-4007-B493-DA0BF522D766}"/>
+    <dgm:cxn modelId="{400C142C-44F3-49D7-92C4-343E7D5A24C7}" type="presOf" srcId="{455E18DA-7681-4DC0-9081-516023E7B9ED}" destId="{1FAE6CBC-78AE-497C-AC21-F8506942DF87}" srcOrd="0" destOrd="0" presId="urn:microsoft.com/office/officeart/2005/8/layout/pyramid1#1"/>
+    <dgm:cxn modelId="{DE31F430-1A97-4F88-9102-7E6CB9F830B8}" type="presOf" srcId="{455E18DA-7681-4DC0-9081-516023E7B9ED}" destId="{9410ED56-26C2-41D0-9A8B-E3C5A6B28654}" srcOrd="1" destOrd="0" presId="urn:microsoft.com/office/officeart/2005/8/layout/pyramid1#1"/>
+    <dgm:cxn modelId="{67191739-304D-472E-9327-7AFCC862FFFE}" type="presOf" srcId="{8CD6625B-BE30-4678-B0DF-5419F4545256}" destId="{0D985FC8-1013-467E-B979-C42EE93BF824}" srcOrd="0" destOrd="0" presId="urn:microsoft.com/office/officeart/2005/8/layout/pyramid1#1"/>
+    <dgm:cxn modelId="{36FB2E47-D181-40C2-B8B1-15E6772AC68A}" type="presOf" srcId="{DA3D2C2F-AF66-478F-94A4-AA106AED0C89}" destId="{034A3791-6008-481B-9A1A-274CB9DF405B}" srcOrd="0" destOrd="0" presId="urn:microsoft.com/office/officeart/2005/8/layout/pyramid1#1"/>
     <dgm:cxn modelId="{7F90604A-9555-41B0-8A92-2F87BD82EDCF}" type="presOf" srcId="{DA3D2C2F-AF66-478F-94A4-AA106AED0C89}" destId="{B030CACE-06FF-440E-974E-D589D4810028}" srcOrd="1" destOrd="0" presId="urn:microsoft.com/office/officeart/2005/8/layout/pyramid1#1"/>
-    <dgm:cxn modelId="{DE31F430-1A97-4F88-9102-7E6CB9F830B8}" type="presOf" srcId="{455E18DA-7681-4DC0-9081-516023E7B9ED}" destId="{9410ED56-26C2-41D0-9A8B-E3C5A6B28654}" srcOrd="1" destOrd="0" presId="urn:microsoft.com/office/officeart/2005/8/layout/pyramid1#1"/>
+    <dgm:cxn modelId="{0999746C-310C-47B3-BD4B-8410D85E92C2}" type="presOf" srcId="{18D6498C-7CC1-4F47-9BB9-199BA7945D81}" destId="{92C8DE9A-440F-47E9-BEBA-BC90B779AED0}" srcOrd="0" destOrd="0" presId="urn:microsoft.com/office/officeart/2005/8/layout/pyramid1#1"/>
     <dgm:cxn modelId="{2F190479-1434-4B65-9294-20CC2694AE01}" type="presOf" srcId="{39484CA5-54E5-4D65-8293-2D8FB348402D}" destId="{66868E93-F8E6-4069-948A-4931F7A1C609}" srcOrd="1" destOrd="0" presId="urn:microsoft.com/office/officeart/2005/8/layout/pyramid1#1"/>
+    <dgm:cxn modelId="{A0A0E282-A13D-48A7-9335-E938E19273D1}" type="presOf" srcId="{259C5316-1681-451F-B48E-024199C5E1E1}" destId="{46476B26-5B64-4F30-9525-8ADD8BB92381}" srcOrd="0" destOrd="0" presId="urn:microsoft.com/office/officeart/2005/8/layout/pyramid1#1"/>
     <dgm:cxn modelId="{B33242AB-129A-44D9-A001-88E5828E55B7}" type="presOf" srcId="{39484CA5-54E5-4D65-8293-2D8FB348402D}" destId="{81AFE7C1-E2A0-438F-90BA-5BB157C0BD54}" srcOrd="0" destOrd="0" presId="urn:microsoft.com/office/officeart/2005/8/layout/pyramid1#1"/>
-    <dgm:cxn modelId="{400C142C-44F3-49D7-92C4-343E7D5A24C7}" type="presOf" srcId="{455E18DA-7681-4DC0-9081-516023E7B9ED}" destId="{1FAE6CBC-78AE-497C-AC21-F8506942DF87}" srcOrd="0" destOrd="0" presId="urn:microsoft.com/office/officeart/2005/8/layout/pyramid1#1"/>
-    <dgm:cxn modelId="{C755B11C-81D9-444B-8234-C760D9BECDAD}" srcId="{259C5316-1681-451F-B48E-024199C5E1E1}" destId="{18D6498C-7CC1-4F47-9BB9-199BA7945D81}" srcOrd="0" destOrd="0" parTransId="{A9C638E4-46E0-4330-9B8B-BC7A6E5D2CA2}" sibTransId="{2BFFBD98-E999-4007-B493-DA0BF522D766}"/>
-    <dgm:cxn modelId="{B6C87F15-CE6A-4ED0-8C70-7746E9721DCD}" srcId="{259C5316-1681-451F-B48E-024199C5E1E1}" destId="{455E18DA-7681-4DC0-9081-516023E7B9ED}" srcOrd="1" destOrd="0" parTransId="{F6DD892E-3C4E-4813-A384-B08CA3B1961D}" sibTransId="{04E1016B-A417-4ADD-86A1-BFADC5AAD730}"/>
-    <dgm:cxn modelId="{67191739-304D-472E-9327-7AFCC862FFFE}" type="presOf" srcId="{8CD6625B-BE30-4678-B0DF-5419F4545256}" destId="{0D985FC8-1013-467E-B979-C42EE93BF824}" srcOrd="0" destOrd="0" presId="urn:microsoft.com/office/officeart/2005/8/layout/pyramid1#1"/>
-    <dgm:cxn modelId="{A0A0E282-A13D-48A7-9335-E938E19273D1}" type="presOf" srcId="{259C5316-1681-451F-B48E-024199C5E1E1}" destId="{46476B26-5B64-4F30-9525-8ADD8BB92381}" srcOrd="0" destOrd="0" presId="urn:microsoft.com/office/officeart/2005/8/layout/pyramid1#1"/>
-    <dgm:cxn modelId="{0999746C-310C-47B3-BD4B-8410D85E92C2}" type="presOf" srcId="{18D6498C-7CC1-4F47-9BB9-199BA7945D81}" destId="{92C8DE9A-440F-47E9-BEBA-BC90B779AED0}" srcOrd="0" destOrd="0" presId="urn:microsoft.com/office/officeart/2005/8/layout/pyramid1#1"/>
+    <dgm:cxn modelId="{F3258BAB-93BD-4537-A502-C98A7074C551}" srcId="{259C5316-1681-451F-B48E-024199C5E1E1}" destId="{39484CA5-54E5-4D65-8293-2D8FB348402D}" srcOrd="4" destOrd="0" parTransId="{66AE7D25-8F4C-49FC-A7CB-A43EB4A7F99D}" sibTransId="{90A4C9C5-1D24-49AE-AD33-6AFB76515EEE}"/>
+    <dgm:cxn modelId="{CAAFEBAE-E455-4EEF-B2F7-508BBB5DC2A9}" type="presOf" srcId="{18D6498C-7CC1-4F47-9BB9-199BA7945D81}" destId="{6FC045B7-15D0-48DB-96E7-EA06B6FB81AD}" srcOrd="1" destOrd="0" presId="urn:microsoft.com/office/officeart/2005/8/layout/pyramid1#1"/>
     <dgm:cxn modelId="{4303F5B8-C06A-40BB-8270-CA6152C4DD45}" type="presOf" srcId="{8CD6625B-BE30-4678-B0DF-5419F4545256}" destId="{7224076C-B102-444A-9F64-AD142CED9712}" srcOrd="1" destOrd="0" presId="urn:microsoft.com/office/officeart/2005/8/layout/pyramid1#1"/>
-    <dgm:cxn modelId="{F3258BAB-93BD-4537-A502-C98A7074C551}" srcId="{259C5316-1681-451F-B48E-024199C5E1E1}" destId="{39484CA5-54E5-4D65-8293-2D8FB348402D}" srcOrd="4" destOrd="0" parTransId="{66AE7D25-8F4C-49FC-A7CB-A43EB4A7F99D}" sibTransId="{90A4C9C5-1D24-49AE-AD33-6AFB76515EEE}"/>
-    <dgm:cxn modelId="{36FB2E47-D181-40C2-B8B1-15E6772AC68A}" type="presOf" srcId="{DA3D2C2F-AF66-478F-94A4-AA106AED0C89}" destId="{034A3791-6008-481B-9A1A-274CB9DF405B}" srcOrd="0" destOrd="0" presId="urn:microsoft.com/office/officeart/2005/8/layout/pyramid1#1"/>
-    <dgm:cxn modelId="{CAAFEBAE-E455-4EEF-B2F7-508BBB5DC2A9}" type="presOf" srcId="{18D6498C-7CC1-4F47-9BB9-199BA7945D81}" destId="{6FC045B7-15D0-48DB-96E7-EA06B6FB81AD}" srcOrd="1" destOrd="0" presId="urn:microsoft.com/office/officeart/2005/8/layout/pyramid1#1"/>
     <dgm:cxn modelId="{B9605CCB-56D2-4CB0-9C20-2E54709DCE36}" srcId="{259C5316-1681-451F-B48E-024199C5E1E1}" destId="{8CD6625B-BE30-4678-B0DF-5419F4545256}" srcOrd="3" destOrd="0" parTransId="{E8AB2A60-80B7-4BFD-A26E-520DE88FC7B6}" sibTransId="{9E673045-4E3C-4AF5-B03D-AFE33D78ABF1}"/>
     <dgm:cxn modelId="{9A5464EB-735A-490A-AFC3-39826925E0EF}" srcId="{259C5316-1681-451F-B48E-024199C5E1E1}" destId="{DA3D2C2F-AF66-478F-94A4-AA106AED0C89}" srcOrd="2" destOrd="0" parTransId="{D40CF35A-242D-48C7-A10E-955699FF4829}" sibTransId="{9A755348-CE92-4DF9-975F-6F4135E7D3A4}"/>
     <dgm:cxn modelId="{2F4E373F-0BCD-47A3-AF6E-9F3B4EF58E71}" type="presParOf" srcId="{46476B26-5B64-4F30-9525-8ADD8BB92381}" destId="{3D2BFF3A-552D-4543-9F18-32C3916AC2EF}" srcOrd="0" destOrd="0" presId="urn:microsoft.com/office/officeart/2005/8/layout/pyramid1#1"/>
@@ -1532,7 +1440,7 @@
   <dgm:whole/>
   <dgm:extLst>
     <a:ext uri="http://schemas.microsoft.com/office/drawing/2008/diagram">
-      <dsp:dataModelExt xmlns:dsp="http://schemas.microsoft.com/office/drawing/2008/diagram" relId="rId5" minVer="http://schemas.openxmlformats.org/drawingml/2006/diagram"/>
+      <dsp:dataModelExt xmlns:dsp="http://schemas.microsoft.com/office/drawing/2008/diagram" relId="rId6" minVer="http://schemas.openxmlformats.org/drawingml/2006/diagram"/>
     </a:ext>
   </dgm:extLst>
 </dgm:dataModel>
@@ -1603,7 +1511,7 @@
         </a:bodyPr>
         <a:lstStyle/>
         <a:p>
-          <a:pPr lvl="0" algn="ctr" defTabSz="889000">
+          <a:pPr marL="0" lvl="0" indent="0" algn="ctr" defTabSz="889000">
             <a:lnSpc>
               <a:spcPct val="90000"/>
             </a:lnSpc>
@@ -1613,20 +1521,16 @@
             <a:spcAft>
               <a:spcPct val="35000"/>
             </a:spcAft>
+            <a:buNone/>
           </a:pPr>
           <a:r>
-            <a:rPr lang="zh-CN" altLang="en-US" sz="2000" kern="1200" dirty="0" smtClean="0">
+            <a:rPr lang="zh-CN" altLang="en-US" sz="2000" kern="1200" dirty="0">
               <a:solidFill>
                 <a:schemeClr val="bg1"/>
               </a:solidFill>
             </a:rPr>
             <a:t>自我实现</a:t>
           </a:r>
-          <a:endParaRPr lang="zh-CN" altLang="en-US" sz="2000" kern="1200" dirty="0">
-            <a:solidFill>
-              <a:schemeClr val="bg1"/>
-            </a:solidFill>
-          </a:endParaRPr>
         </a:p>
       </dsp:txBody>
       <dsp:txXfrm>
@@ -1691,7 +1595,7 @@
         </a:bodyPr>
         <a:lstStyle/>
         <a:p>
-          <a:pPr lvl="0" algn="ctr" defTabSz="889000">
+          <a:pPr marL="0" lvl="0" indent="0" algn="ctr" defTabSz="889000">
             <a:lnSpc>
               <a:spcPct val="90000"/>
             </a:lnSpc>
@@ -1701,20 +1605,16 @@
             <a:spcAft>
               <a:spcPct val="35000"/>
             </a:spcAft>
+            <a:buNone/>
           </a:pPr>
           <a:r>
-            <a:rPr lang="zh-CN" altLang="en-US" sz="2000" kern="1200" dirty="0" smtClean="0">
+            <a:rPr lang="zh-CN" altLang="en-US" sz="2000" kern="1200" dirty="0">
               <a:solidFill>
                 <a:schemeClr val="bg1"/>
               </a:solidFill>
             </a:rPr>
             <a:t>尊重需求</a:t>
           </a:r>
-          <a:endParaRPr lang="zh-CN" altLang="en-US" sz="2000" kern="1200" dirty="0">
-            <a:solidFill>
-              <a:schemeClr val="bg1"/>
-            </a:solidFill>
-          </a:endParaRPr>
         </a:p>
       </dsp:txBody>
       <dsp:txXfrm>
@@ -1779,7 +1679,7 @@
         </a:bodyPr>
         <a:lstStyle/>
         <a:p>
-          <a:pPr lvl="0" algn="ctr" defTabSz="889000">
+          <a:pPr marL="0" lvl="0" indent="0" algn="ctr" defTabSz="889000">
             <a:lnSpc>
               <a:spcPct val="90000"/>
             </a:lnSpc>
@@ -1789,20 +1689,16 @@
             <a:spcAft>
               <a:spcPct val="35000"/>
             </a:spcAft>
+            <a:buNone/>
           </a:pPr>
           <a:r>
-            <a:rPr lang="zh-CN" altLang="en-US" sz="2000" kern="1200" dirty="0" smtClean="0">
+            <a:rPr lang="zh-CN" altLang="en-US" sz="2000" kern="1200" dirty="0">
               <a:solidFill>
                 <a:schemeClr val="bg1"/>
               </a:solidFill>
             </a:rPr>
             <a:t>社会需求</a:t>
           </a:r>
-          <a:endParaRPr lang="zh-CN" altLang="en-US" sz="2000" kern="1200" dirty="0">
-            <a:solidFill>
-              <a:schemeClr val="bg1"/>
-            </a:solidFill>
-          </a:endParaRPr>
         </a:p>
       </dsp:txBody>
       <dsp:txXfrm>
@@ -1867,7 +1763,7 @@
         </a:bodyPr>
         <a:lstStyle/>
         <a:p>
-          <a:pPr lvl="0" algn="ctr" defTabSz="889000">
+          <a:pPr marL="0" lvl="0" indent="0" algn="ctr" defTabSz="889000">
             <a:lnSpc>
               <a:spcPct val="90000"/>
             </a:lnSpc>
@@ -1877,20 +1773,16 @@
             <a:spcAft>
               <a:spcPct val="35000"/>
             </a:spcAft>
+            <a:buNone/>
           </a:pPr>
           <a:r>
-            <a:rPr lang="zh-CN" altLang="en-US" sz="2000" kern="1200" dirty="0" smtClean="0">
+            <a:rPr lang="zh-CN" altLang="en-US" sz="2000" kern="1200" dirty="0">
               <a:solidFill>
                 <a:schemeClr val="bg1"/>
               </a:solidFill>
             </a:rPr>
             <a:t>安全需求</a:t>
           </a:r>
-          <a:endParaRPr lang="zh-CN" altLang="en-US" sz="2000" kern="1200" dirty="0">
-            <a:solidFill>
-              <a:schemeClr val="bg1"/>
-            </a:solidFill>
-          </a:endParaRPr>
         </a:p>
       </dsp:txBody>
       <dsp:txXfrm>
@@ -1905,7 +1797,7 @@
       </dsp:nvSpPr>
       <dsp:spPr>
         <a:xfrm>
-          <a:off x="0" y="3760120"/>
+          <a:off x="0" y="3720742"/>
           <a:ext cx="7493740" cy="940030"/>
         </a:xfrm>
         <a:prstGeom prst="trapezoid">
@@ -1955,7 +1847,7 @@
         </a:bodyPr>
         <a:lstStyle/>
         <a:p>
-          <a:pPr lvl="0" algn="ctr" defTabSz="889000">
+          <a:pPr marL="0" lvl="0" indent="0" algn="ctr" defTabSz="889000">
             <a:lnSpc>
               <a:spcPct val="90000"/>
             </a:lnSpc>
@@ -1965,24 +1857,20 @@
             <a:spcAft>
               <a:spcPct val="35000"/>
             </a:spcAft>
+            <a:buNone/>
           </a:pPr>
           <a:r>
-            <a:rPr lang="zh-CN" altLang="en-US" sz="2000" kern="1200" dirty="0" smtClean="0">
+            <a:rPr lang="zh-CN" altLang="en-US" sz="2000" kern="1200" dirty="0">
               <a:solidFill>
                 <a:schemeClr val="bg1"/>
               </a:solidFill>
             </a:rPr>
             <a:t>生理需求</a:t>
           </a:r>
-          <a:endParaRPr lang="zh-CN" altLang="en-US" sz="2000" kern="1200" dirty="0">
-            <a:solidFill>
-              <a:schemeClr val="bg1"/>
-            </a:solidFill>
-          </a:endParaRPr>
         </a:p>
       </dsp:txBody>
       <dsp:txXfrm>
-        <a:off x="1311404" y="3760120"/>
+        <a:off x="1311404" y="3720742"/>
         <a:ext cx="4870931" cy="940030"/>
       </dsp:txXfrm>
     </dsp:sp>
@@ -2238,6 +2126,7 @@
       <a:camera prst="orthographicFront"/>
       <a:lightRig rig="threePt" dir="t"/>
     </dgm:scene3d>
+    <dgm:sp3d/>
     <dgm:txPr/>
     <dgm:style>
       <a:lnRef idx="2">
@@ -2257,6 +2146,7 @@
       <a:camera prst="orthographicFront"/>
       <a:lightRig rig="threePt" dir="t"/>
     </dgm:scene3d>
+    <dgm:sp3d/>
     <dgm:txPr/>
     <dgm:style>
       <a:lnRef idx="2">
@@ -2276,6 +2166,7 @@
       <a:camera prst="orthographicFront"/>
       <a:lightRig rig="threePt" dir="t"/>
     </dgm:scene3d>
+    <dgm:sp3d/>
     <dgm:txPr/>
     <dgm:style>
       <a:lnRef idx="2">
@@ -2295,6 +2186,7 @@
       <a:camera prst="orthographicFront"/>
       <a:lightRig rig="threePt" dir="t"/>
     </dgm:scene3d>
+    <dgm:sp3d/>
     <dgm:txPr/>
     <dgm:style>
       <a:lnRef idx="2">
@@ -2316,6 +2208,7 @@
       <a:camera prst="orthographicFront"/>
       <a:lightRig rig="threePt" dir="t"/>
     </dgm:scene3d>
+    <dgm:sp3d/>
     <dgm:txPr/>
     <dgm:style>
       <a:lnRef idx="2">
@@ -2337,6 +2230,7 @@
       <a:camera prst="orthographicFront"/>
       <a:lightRig rig="threePt" dir="t"/>
     </dgm:scene3d>
+    <dgm:sp3d/>
     <dgm:txPr/>
     <dgm:style>
       <a:lnRef idx="2">
@@ -2358,6 +2252,7 @@
       <a:camera prst="orthographicFront"/>
       <a:lightRig rig="threePt" dir="t"/>
     </dgm:scene3d>
+    <dgm:sp3d/>
     <dgm:txPr/>
     <dgm:style>
       <a:lnRef idx="2">
@@ -2379,6 +2274,7 @@
       <a:camera prst="orthographicFront"/>
       <a:lightRig rig="threePt" dir="t"/>
     </dgm:scene3d>
+    <dgm:sp3d/>
     <dgm:txPr/>
     <dgm:style>
       <a:lnRef idx="2">
@@ -2400,6 +2296,7 @@
       <a:camera prst="orthographicFront"/>
       <a:lightRig rig="threePt" dir="t"/>
     </dgm:scene3d>
+    <dgm:sp3d/>
     <dgm:txPr/>
     <dgm:style>
       <a:lnRef idx="2">
@@ -2421,6 +2318,7 @@
       <a:camera prst="orthographicFront"/>
       <a:lightRig rig="threePt" dir="t"/>
     </dgm:scene3d>
+    <dgm:sp3d/>
     <dgm:txPr/>
     <dgm:style>
       <a:lnRef idx="2">
@@ -2440,6 +2338,7 @@
       <a:camera prst="orthographicFront"/>
       <a:lightRig rig="threePt" dir="t"/>
     </dgm:scene3d>
+    <dgm:sp3d/>
     <dgm:txPr/>
     <dgm:style>
       <a:lnRef idx="2">
@@ -2459,6 +2358,7 @@
       <a:camera prst="orthographicFront"/>
       <a:lightRig rig="threePt" dir="t"/>
     </dgm:scene3d>
+    <dgm:sp3d/>
     <dgm:txPr/>
     <dgm:style>
       <a:lnRef idx="2">
@@ -2478,6 +2378,7 @@
       <a:camera prst="orthographicFront"/>
       <a:lightRig rig="threePt" dir="t"/>
     </dgm:scene3d>
+    <dgm:sp3d/>
     <dgm:txPr/>
     <dgm:style>
       <a:lnRef idx="0">
@@ -2497,6 +2398,7 @@
       <a:camera prst="orthographicFront"/>
       <a:lightRig rig="threePt" dir="t"/>
     </dgm:scene3d>
+    <dgm:sp3d/>
     <dgm:txPr/>
     <dgm:style>
       <a:lnRef idx="0">
@@ -2518,6 +2420,7 @@
       <a:camera prst="orthographicFront"/>
       <a:lightRig rig="threePt" dir="t"/>
     </dgm:scene3d>
+    <dgm:sp3d/>
     <dgm:txPr/>
     <dgm:style>
       <a:lnRef idx="2">
@@ -2537,6 +2440,7 @@
       <a:camera prst="orthographicFront"/>
       <a:lightRig rig="threePt" dir="t"/>
     </dgm:scene3d>
+    <dgm:sp3d/>
     <dgm:txPr/>
     <dgm:style>
       <a:lnRef idx="2">
@@ -2556,6 +2460,7 @@
       <a:camera prst="orthographicFront"/>
       <a:lightRig rig="threePt" dir="t"/>
     </dgm:scene3d>
+    <dgm:sp3d/>
     <dgm:txPr/>
     <dgm:style>
       <a:lnRef idx="0">
@@ -2575,6 +2480,7 @@
       <a:camera prst="orthographicFront"/>
       <a:lightRig rig="threePt" dir="t"/>
     </dgm:scene3d>
+    <dgm:sp3d/>
     <dgm:txPr/>
     <dgm:style>
       <a:lnRef idx="2">
@@ -2594,6 +2500,7 @@
       <a:camera prst="orthographicFront"/>
       <a:lightRig rig="threePt" dir="t"/>
     </dgm:scene3d>
+    <dgm:sp3d/>
     <dgm:txPr/>
     <dgm:style>
       <a:lnRef idx="2">
@@ -2613,6 +2520,7 @@
       <a:camera prst="orthographicFront"/>
       <a:lightRig rig="threePt" dir="t"/>
     </dgm:scene3d>
+    <dgm:sp3d/>
     <dgm:txPr/>
     <dgm:style>
       <a:lnRef idx="2">
@@ -2632,6 +2540,7 @@
       <a:camera prst="orthographicFront"/>
       <a:lightRig rig="threePt" dir="t"/>
     </dgm:scene3d>
+    <dgm:sp3d/>
     <dgm:txPr/>
     <dgm:style>
       <a:lnRef idx="2">
@@ -2651,6 +2560,7 @@
       <a:camera prst="orthographicFront"/>
       <a:lightRig rig="threePt" dir="t"/>
     </dgm:scene3d>
+    <dgm:sp3d/>
     <dgm:txPr/>
     <dgm:style>
       <a:lnRef idx="2">
@@ -2670,6 +2580,7 @@
       <a:camera prst="orthographicFront"/>
       <a:lightRig rig="threePt" dir="t"/>
     </dgm:scene3d>
+    <dgm:sp3d/>
     <dgm:txPr/>
     <dgm:style>
       <a:lnRef idx="2">
@@ -2689,6 +2600,7 @@
       <a:camera prst="orthographicFront"/>
       <a:lightRig rig="threePt" dir="t"/>
     </dgm:scene3d>
+    <dgm:sp3d/>
     <dgm:txPr/>
     <dgm:style>
       <a:lnRef idx="2">
@@ -2708,6 +2620,7 @@
       <a:camera prst="orthographicFront"/>
       <a:lightRig rig="threePt" dir="t"/>
     </dgm:scene3d>
+    <dgm:sp3d/>
     <dgm:txPr/>
     <dgm:style>
       <a:lnRef idx="2">
@@ -2727,6 +2640,7 @@
       <a:camera prst="orthographicFront"/>
       <a:lightRig rig="threePt" dir="t"/>
     </dgm:scene3d>
+    <dgm:sp3d/>
     <dgm:txPr/>
     <dgm:style>
       <a:lnRef idx="0">
@@ -2748,6 +2662,7 @@
       <a:camera prst="orthographicFront"/>
       <a:lightRig rig="threePt" dir="t"/>
     </dgm:scene3d>
+    <dgm:sp3d/>
     <dgm:txPr/>
     <dgm:style>
       <a:lnRef idx="2">
@@ -2769,6 +2684,7 @@
       <a:camera prst="orthographicFront"/>
       <a:lightRig rig="threePt" dir="t"/>
     </dgm:scene3d>
+    <dgm:sp3d/>
     <dgm:txPr/>
     <dgm:style>
       <a:lnRef idx="2">
@@ -2790,6 +2706,7 @@
       <a:camera prst="orthographicFront"/>
       <a:lightRig rig="threePt" dir="t"/>
     </dgm:scene3d>
+    <dgm:sp3d/>
     <dgm:txPr/>
     <dgm:style>
       <a:lnRef idx="2">
@@ -2811,6 +2728,7 @@
       <a:camera prst="orthographicFront"/>
       <a:lightRig rig="threePt" dir="t"/>
     </dgm:scene3d>
+    <dgm:sp3d/>
     <dgm:txPr/>
     <dgm:style>
       <a:lnRef idx="2">
@@ -2832,6 +2750,7 @@
       <a:camera prst="orthographicFront"/>
       <a:lightRig rig="threePt" dir="t"/>
     </dgm:scene3d>
+    <dgm:sp3d/>
     <dgm:txPr/>
     <dgm:style>
       <a:lnRef idx="2">
@@ -2853,6 +2772,7 @@
       <a:camera prst="orthographicFront"/>
       <a:lightRig rig="threePt" dir="t"/>
     </dgm:scene3d>
+    <dgm:sp3d/>
     <dgm:txPr/>
     <dgm:style>
       <a:lnRef idx="2">
@@ -2874,6 +2794,7 @@
       <a:camera prst="orthographicFront"/>
       <a:lightRig rig="threePt" dir="t"/>
     </dgm:scene3d>
+    <dgm:sp3d/>
     <dgm:txPr/>
     <dgm:style>
       <a:lnRef idx="2">
@@ -2893,6 +2814,7 @@
       <a:camera prst="orthographicFront"/>
       <a:lightRig rig="threePt" dir="t"/>
     </dgm:scene3d>
+    <dgm:sp3d/>
     <dgm:txPr/>
     <dgm:style>
       <a:lnRef idx="2">
@@ -2912,6 +2834,7 @@
       <a:camera prst="orthographicFront"/>
       <a:lightRig rig="threePt" dir="t"/>
     </dgm:scene3d>
+    <dgm:sp3d/>
     <dgm:txPr/>
     <dgm:style>
       <a:lnRef idx="2">
@@ -2931,6 +2854,7 @@
       <a:camera prst="orthographicFront"/>
       <a:lightRig rig="threePt" dir="t"/>
     </dgm:scene3d>
+    <dgm:sp3d/>
     <dgm:txPr/>
     <dgm:style>
       <a:lnRef idx="2">
@@ -2950,6 +2874,7 @@
       <a:camera prst="orthographicFront"/>
       <a:lightRig rig="threePt" dir="t"/>
     </dgm:scene3d>
+    <dgm:sp3d/>
     <dgm:txPr/>
     <dgm:style>
       <a:lnRef idx="2">
@@ -2971,6 +2896,7 @@
       <a:camera prst="orthographicFront"/>
       <a:lightRig rig="threePt" dir="t"/>
     </dgm:scene3d>
+    <dgm:sp3d/>
     <dgm:txPr/>
     <dgm:style>
       <a:lnRef idx="2">
@@ -2992,6 +2918,7 @@
       <a:camera prst="orthographicFront"/>
       <a:lightRig rig="threePt" dir="t"/>
     </dgm:scene3d>
+    <dgm:sp3d/>
     <dgm:txPr/>
     <dgm:style>
       <a:lnRef idx="2">
@@ -3013,6 +2940,7 @@
       <a:camera prst="orthographicFront"/>
       <a:lightRig rig="threePt" dir="t"/>
     </dgm:scene3d>
+    <dgm:sp3d/>
     <dgm:txPr/>
     <dgm:style>
       <a:lnRef idx="2">
@@ -3034,6 +2962,7 @@
       <a:camera prst="orthographicFront"/>
       <a:lightRig rig="threePt" dir="t"/>
     </dgm:scene3d>
+    <dgm:sp3d/>
     <dgm:txPr/>
     <dgm:style>
       <a:lnRef idx="0">
@@ -3053,6 +2982,7 @@
       <a:camera prst="orthographicFront"/>
       <a:lightRig rig="threePt" dir="t"/>
     </dgm:scene3d>
+    <dgm:sp3d/>
     <dgm:txPr/>
     <dgm:style>
       <a:lnRef idx="1">
@@ -3072,6 +3002,7 @@
       <a:camera prst="orthographicFront"/>
       <a:lightRig rig="threePt" dir="t"/>
     </dgm:scene3d>
+    <dgm:sp3d/>
     <dgm:txPr/>
     <dgm:style>
       <a:lnRef idx="0">
@@ -3093,6 +3024,7 @@
       <a:camera prst="orthographicFront"/>
       <a:lightRig rig="threePt" dir="t"/>
     </dgm:scene3d>
+    <dgm:sp3d/>
     <dgm:txPr/>
     <dgm:style>
       <a:lnRef idx="2">
@@ -3112,6 +3044,7 @@
       <a:camera prst="orthographicFront"/>
       <a:lightRig rig="threePt" dir="t"/>
     </dgm:scene3d>
+    <dgm:sp3d/>
     <dgm:txPr/>
     <dgm:style>
       <a:lnRef idx="2">
@@ -3131,6 +3064,7 @@
       <a:camera prst="orthographicFront"/>
       <a:lightRig rig="threePt" dir="t"/>
     </dgm:scene3d>
+    <dgm:sp3d/>
     <dgm:txPr/>
     <dgm:style>
       <a:lnRef idx="2">
@@ -3150,6 +3084,7 @@
       <a:camera prst="orthographicFront"/>
       <a:lightRig rig="threePt" dir="t"/>
     </dgm:scene3d>
+    <dgm:sp3d/>
     <dgm:txPr/>
     <dgm:style>
       <a:lnRef idx="1">
@@ -3169,6 +3104,7 @@
       <a:camera prst="orthographicFront"/>
       <a:lightRig rig="threePt" dir="t"/>
     </dgm:scene3d>
+    <dgm:sp3d/>
     <dgm:txPr/>
     <dgm:style>
       <a:lnRef idx="0">
@@ -3188,6 +3124,7 @@
       <a:camera prst="orthographicFront"/>
       <a:lightRig rig="threePt" dir="t"/>
     </dgm:scene3d>
+    <dgm:sp3d/>
     <dgm:txPr/>
     <dgm:style>
       <a:lnRef idx="2">
@@ -3289,6 +3226,7 @@
           <a:p>
             <a:fld id="{D2A48B96-639E-45A3-A0BA-2464DFDB1FAA}" type="datetimeFigureOut">
               <a:rPr lang="zh-CN" altLang="en-US" smtClean="0"/>
+              <a:t>2018/12/23</a:t>
             </a:fld>
             <a:endParaRPr lang="zh-CN" altLang="en-US"/>
           </a:p>
@@ -3352,42 +3290,37 @@
           <a:p>
             <a:pPr lvl="0"/>
             <a:r>
-              <a:rPr lang="zh-CN" altLang="en-US" smtClean="0"/>
+              <a:rPr lang="zh-CN" altLang="en-US"/>
               <a:t>单击此处编辑母版文本样式</a:t>
             </a:r>
-            <a:endParaRPr lang="zh-CN" altLang="en-US" smtClean="0"/>
           </a:p>
           <a:p>
             <a:pPr lvl="1"/>
             <a:r>
-              <a:rPr lang="zh-CN" altLang="en-US" smtClean="0"/>
+              <a:rPr lang="zh-CN" altLang="en-US"/>
               <a:t>第二级</a:t>
             </a:r>
-            <a:endParaRPr lang="zh-CN" altLang="en-US" smtClean="0"/>
           </a:p>
           <a:p>
             <a:pPr lvl="2"/>
             <a:r>
-              <a:rPr lang="zh-CN" altLang="en-US" smtClean="0"/>
+              <a:rPr lang="zh-CN" altLang="en-US"/>
               <a:t>第三级</a:t>
             </a:r>
-            <a:endParaRPr lang="zh-CN" altLang="en-US" smtClean="0"/>
           </a:p>
           <a:p>
             <a:pPr lvl="3"/>
             <a:r>
-              <a:rPr lang="zh-CN" altLang="en-US" smtClean="0"/>
+              <a:rPr lang="zh-CN" altLang="en-US"/>
               <a:t>第四级</a:t>
             </a:r>
-            <a:endParaRPr lang="zh-CN" altLang="en-US" smtClean="0"/>
           </a:p>
           <a:p>
             <a:pPr lvl="4"/>
             <a:r>
-              <a:rPr lang="zh-CN" altLang="en-US" smtClean="0"/>
+              <a:rPr lang="zh-CN" altLang="en-US"/>
               <a:t>第五级</a:t>
             </a:r>
-            <a:endParaRPr lang="zh-CN" altLang="en-US"/>
           </a:p>
         </p:txBody>
       </p:sp>
@@ -3451,6 +3384,7 @@
           <a:p>
             <a:fld id="{A6837353-30EB-4A48-80EB-173D804AEFBD}" type="slidenum">
               <a:rPr lang="zh-CN" altLang="en-US" smtClean="0"/>
+              <a:t>‹#›</a:t>
             </a:fld>
             <a:endParaRPr lang="zh-CN" altLang="en-US"/>
           </a:p>
@@ -3596,10 +3530,9 @@
           </a:lstStyle>
           <a:p>
             <a:r>
-              <a:rPr lang="zh-CN" altLang="en-US" smtClean="0"/>
+              <a:rPr lang="zh-CN" altLang="en-US"/>
               <a:t>单击此处编辑母版标题样式</a:t>
             </a:r>
-            <a:endParaRPr lang="zh-CN" altLang="en-US"/>
           </a:p>
         </p:txBody>
       </p:sp>
@@ -3661,10 +3594,9 @@
           </a:lstStyle>
           <a:p>
             <a:r>
-              <a:rPr lang="zh-CN" altLang="en-US" smtClean="0"/>
+              <a:rPr lang="zh-CN" altLang="en-US"/>
               <a:t>单击此处编辑母版副标题样式</a:t>
             </a:r>
-            <a:endParaRPr lang="zh-CN" altLang="en-US"/>
           </a:p>
         </p:txBody>
       </p:sp>
@@ -3685,6 +3617,7 @@
           <a:p>
             <a:fld id="{D997B5FA-0921-464F-AAE1-844C04324D75}" type="datetimeFigureOut">
               <a:rPr lang="zh-CN" altLang="en-US" smtClean="0"/>
+              <a:t>2018/12/23</a:t>
             </a:fld>
             <a:endParaRPr lang="zh-CN" altLang="en-US"/>
           </a:p>
@@ -3709,7 +3642,6 @@
               <a:rPr lang="zh-CN" altLang="en-US"/>
               <a:t>三人开发小组</a:t>
             </a:r>
-            <a:endParaRPr lang="zh-CN" altLang="en-US"/>
           </a:p>
         </p:txBody>
       </p:sp>
@@ -3730,6 +3662,7 @@
           <a:p>
             <a:fld id="{565CE74E-AB26-4998-AD42-012C4C1AD076}" type="slidenum">
               <a:rPr lang="zh-CN" altLang="en-US" smtClean="0"/>
+              <a:t>‹#›</a:t>
             </a:fld>
             <a:endParaRPr lang="zh-CN" altLang="en-US"/>
           </a:p>
@@ -3777,10 +3710,9 @@
           <a:lstStyle/>
           <a:p>
             <a:r>
-              <a:rPr lang="zh-CN" altLang="en-US" smtClean="0"/>
+              <a:rPr lang="zh-CN" altLang="en-US"/>
               <a:t>单击此处编辑母版标题样式</a:t>
             </a:r>
-            <a:endParaRPr lang="zh-CN" altLang="en-US"/>
           </a:p>
         </p:txBody>
       </p:sp>
@@ -3801,42 +3733,37 @@
           <a:p>
             <a:pPr lvl="0"/>
             <a:r>
-              <a:rPr lang="zh-CN" altLang="en-US" smtClean="0"/>
+              <a:rPr lang="zh-CN" altLang="en-US"/>
               <a:t>单击此处编辑母版文本样式</a:t>
             </a:r>
-            <a:endParaRPr lang="zh-CN" altLang="en-US" smtClean="0"/>
           </a:p>
           <a:p>
             <a:pPr lvl="1"/>
             <a:r>
-              <a:rPr lang="zh-CN" altLang="en-US" smtClean="0"/>
+              <a:rPr lang="zh-CN" altLang="en-US"/>
               <a:t>第二级</a:t>
             </a:r>
-            <a:endParaRPr lang="zh-CN" altLang="en-US" smtClean="0"/>
           </a:p>
           <a:p>
             <a:pPr lvl="2"/>
             <a:r>
-              <a:rPr lang="zh-CN" altLang="en-US" smtClean="0"/>
+              <a:rPr lang="zh-CN" altLang="en-US"/>
               <a:t>第三级</a:t>
             </a:r>
-            <a:endParaRPr lang="zh-CN" altLang="en-US" smtClean="0"/>
           </a:p>
           <a:p>
             <a:pPr lvl="3"/>
             <a:r>
-              <a:rPr lang="zh-CN" altLang="en-US" smtClean="0"/>
+              <a:rPr lang="zh-CN" altLang="en-US"/>
               <a:t>第四级</a:t>
             </a:r>
-            <a:endParaRPr lang="zh-CN" altLang="en-US" smtClean="0"/>
           </a:p>
           <a:p>
             <a:pPr lvl="4"/>
             <a:r>
-              <a:rPr lang="zh-CN" altLang="en-US" smtClean="0"/>
+              <a:rPr lang="zh-CN" altLang="en-US"/>
               <a:t>第五级</a:t>
             </a:r>
-            <a:endParaRPr lang="zh-CN" altLang="en-US"/>
           </a:p>
         </p:txBody>
       </p:sp>
@@ -3857,6 +3784,7 @@
           <a:p>
             <a:fld id="{D997B5FA-0921-464F-AAE1-844C04324D75}" type="datetimeFigureOut">
               <a:rPr lang="zh-CN" altLang="en-US" smtClean="0"/>
+              <a:t>2018/12/23</a:t>
             </a:fld>
             <a:endParaRPr lang="zh-CN" altLang="en-US"/>
           </a:p>
@@ -3881,7 +3809,6 @@
               <a:rPr lang="zh-CN" altLang="en-US"/>
               <a:t>三人开发小组</a:t>
             </a:r>
-            <a:endParaRPr lang="zh-CN" altLang="en-US"/>
           </a:p>
         </p:txBody>
       </p:sp>
@@ -3902,6 +3829,7 @@
           <a:p>
             <a:fld id="{565CE74E-AB26-4998-AD42-012C4C1AD076}" type="slidenum">
               <a:rPr lang="zh-CN" altLang="en-US" smtClean="0"/>
+              <a:t>‹#›</a:t>
             </a:fld>
             <a:endParaRPr lang="zh-CN" altLang="en-US"/>
           </a:p>
@@ -3954,10 +3882,9 @@
           <a:lstStyle/>
           <a:p>
             <a:r>
-              <a:rPr lang="zh-CN" altLang="en-US" smtClean="0"/>
+              <a:rPr lang="zh-CN" altLang="en-US"/>
               <a:t>单击此处编辑母版标题样式</a:t>
             </a:r>
-            <a:endParaRPr lang="zh-CN" altLang="en-US"/>
           </a:p>
         </p:txBody>
       </p:sp>
@@ -3983,42 +3910,37 @@
           <a:p>
             <a:pPr lvl="0"/>
             <a:r>
-              <a:rPr lang="zh-CN" altLang="en-US" smtClean="0"/>
+              <a:rPr lang="zh-CN" altLang="en-US"/>
               <a:t>单击此处编辑母版文本样式</a:t>
             </a:r>
-            <a:endParaRPr lang="zh-CN" altLang="en-US" smtClean="0"/>
           </a:p>
           <a:p>
             <a:pPr lvl="1"/>
             <a:r>
-              <a:rPr lang="zh-CN" altLang="en-US" smtClean="0"/>
+              <a:rPr lang="zh-CN" altLang="en-US"/>
               <a:t>第二级</a:t>
             </a:r>
-            <a:endParaRPr lang="zh-CN" altLang="en-US" smtClean="0"/>
           </a:p>
           <a:p>
             <a:pPr lvl="2"/>
             <a:r>
-              <a:rPr lang="zh-CN" altLang="en-US" smtClean="0"/>
+              <a:rPr lang="zh-CN" altLang="en-US"/>
               <a:t>第三级</a:t>
             </a:r>
-            <a:endParaRPr lang="zh-CN" altLang="en-US" smtClean="0"/>
           </a:p>
           <a:p>
             <a:pPr lvl="3"/>
             <a:r>
-              <a:rPr lang="zh-CN" altLang="en-US" smtClean="0"/>
+              <a:rPr lang="zh-CN" altLang="en-US"/>
               <a:t>第四级</a:t>
             </a:r>
-            <a:endParaRPr lang="zh-CN" altLang="en-US" smtClean="0"/>
           </a:p>
           <a:p>
             <a:pPr lvl="4"/>
             <a:r>
-              <a:rPr lang="zh-CN" altLang="en-US" smtClean="0"/>
+              <a:rPr lang="zh-CN" altLang="en-US"/>
               <a:t>第五级</a:t>
             </a:r>
-            <a:endParaRPr lang="zh-CN" altLang="en-US"/>
           </a:p>
         </p:txBody>
       </p:sp>
@@ -4039,6 +3961,7 @@
           <a:p>
             <a:fld id="{D997B5FA-0921-464F-AAE1-844C04324D75}" type="datetimeFigureOut">
               <a:rPr lang="zh-CN" altLang="en-US" smtClean="0"/>
+              <a:t>2018/12/23</a:t>
             </a:fld>
             <a:endParaRPr lang="zh-CN" altLang="en-US"/>
           </a:p>
@@ -4063,7 +3986,6 @@
               <a:rPr lang="zh-CN" altLang="en-US"/>
               <a:t>三人开发小组</a:t>
             </a:r>
-            <a:endParaRPr lang="zh-CN" altLang="en-US"/>
           </a:p>
         </p:txBody>
       </p:sp>
@@ -4084,6 +4006,7 @@
           <a:p>
             <a:fld id="{565CE74E-AB26-4998-AD42-012C4C1AD076}" type="slidenum">
               <a:rPr lang="zh-CN" altLang="en-US" smtClean="0"/>
+              <a:t>‹#›</a:t>
             </a:fld>
             <a:endParaRPr lang="zh-CN" altLang="en-US"/>
           </a:p>
@@ -4131,10 +4054,9 @@
           <a:lstStyle/>
           <a:p>
             <a:r>
-              <a:rPr lang="zh-CN" altLang="en-US" smtClean="0"/>
+              <a:rPr lang="zh-CN" altLang="en-US"/>
               <a:t>单击此处编辑母版标题样式</a:t>
             </a:r>
-            <a:endParaRPr lang="zh-CN" altLang="en-US"/>
           </a:p>
         </p:txBody>
       </p:sp>
@@ -4155,42 +4077,37 @@
           <a:p>
             <a:pPr lvl="0"/>
             <a:r>
-              <a:rPr lang="zh-CN" altLang="en-US" smtClean="0"/>
+              <a:rPr lang="zh-CN" altLang="en-US"/>
               <a:t>单击此处编辑母版文本样式</a:t>
             </a:r>
-            <a:endParaRPr lang="zh-CN" altLang="en-US" smtClean="0"/>
           </a:p>
           <a:p>
             <a:pPr lvl="1"/>
             <a:r>
-              <a:rPr lang="zh-CN" altLang="en-US" smtClean="0"/>
+              <a:rPr lang="zh-CN" altLang="en-US"/>
               <a:t>第二级</a:t>
             </a:r>
-            <a:endParaRPr lang="zh-CN" altLang="en-US" smtClean="0"/>
           </a:p>
           <a:p>
             <a:pPr lvl="2"/>
             <a:r>
-              <a:rPr lang="zh-CN" altLang="en-US" smtClean="0"/>
+              <a:rPr lang="zh-CN" altLang="en-US"/>
               <a:t>第三级</a:t>
             </a:r>
-            <a:endParaRPr lang="zh-CN" altLang="en-US" smtClean="0"/>
           </a:p>
           <a:p>
             <a:pPr lvl="3"/>
             <a:r>
-              <a:rPr lang="zh-CN" altLang="en-US" smtClean="0"/>
+              <a:rPr lang="zh-CN" altLang="en-US"/>
               <a:t>第四级</a:t>
             </a:r>
-            <a:endParaRPr lang="zh-CN" altLang="en-US" smtClean="0"/>
           </a:p>
           <a:p>
             <a:pPr lvl="4"/>
             <a:r>
-              <a:rPr lang="zh-CN" altLang="en-US" smtClean="0"/>
+              <a:rPr lang="zh-CN" altLang="en-US"/>
               <a:t>第五级</a:t>
             </a:r>
-            <a:endParaRPr lang="zh-CN" altLang="en-US"/>
           </a:p>
         </p:txBody>
       </p:sp>
@@ -4211,6 +4128,7 @@
           <a:p>
             <a:fld id="{D997B5FA-0921-464F-AAE1-844C04324D75}" type="datetimeFigureOut">
               <a:rPr lang="zh-CN" altLang="en-US" smtClean="0"/>
+              <a:t>2018/12/23</a:t>
             </a:fld>
             <a:endParaRPr lang="zh-CN" altLang="en-US"/>
           </a:p>
@@ -4235,7 +4153,6 @@
               <a:rPr lang="zh-CN" altLang="en-US"/>
               <a:t>三人开发小组</a:t>
             </a:r>
-            <a:endParaRPr lang="zh-CN" altLang="en-US"/>
           </a:p>
         </p:txBody>
       </p:sp>
@@ -4256,6 +4173,7 @@
           <a:p>
             <a:fld id="{565CE74E-AB26-4998-AD42-012C4C1AD076}" type="slidenum">
               <a:rPr lang="zh-CN" altLang="en-US" smtClean="0"/>
+              <a:t>‹#›</a:t>
             </a:fld>
             <a:endParaRPr lang="zh-CN" altLang="en-US"/>
           </a:p>
@@ -4312,10 +4230,9 @@
           </a:lstStyle>
           <a:p>
             <a:r>
-              <a:rPr lang="zh-CN" altLang="en-US" smtClean="0"/>
+              <a:rPr lang="zh-CN" altLang="en-US"/>
               <a:t>单击此处编辑母版标题样式</a:t>
             </a:r>
-            <a:endParaRPr lang="zh-CN" altLang="en-US"/>
           </a:p>
         </p:txBody>
       </p:sp>
@@ -4432,10 +4349,9 @@
           <a:p>
             <a:pPr lvl="0"/>
             <a:r>
-              <a:rPr lang="zh-CN" altLang="en-US" smtClean="0"/>
+              <a:rPr lang="zh-CN" altLang="en-US"/>
               <a:t>单击此处编辑母版文本样式</a:t>
             </a:r>
-            <a:endParaRPr lang="zh-CN" altLang="en-US" smtClean="0"/>
           </a:p>
         </p:txBody>
       </p:sp>
@@ -4456,6 +4372,7 @@
           <a:p>
             <a:fld id="{D997B5FA-0921-464F-AAE1-844C04324D75}" type="datetimeFigureOut">
               <a:rPr lang="zh-CN" altLang="en-US" smtClean="0"/>
+              <a:t>2018/12/23</a:t>
             </a:fld>
             <a:endParaRPr lang="zh-CN" altLang="en-US"/>
           </a:p>
@@ -4480,7 +4397,6 @@
               <a:rPr lang="zh-CN" altLang="en-US"/>
               <a:t>三人开发小组</a:t>
             </a:r>
-            <a:endParaRPr lang="zh-CN" altLang="en-US"/>
           </a:p>
         </p:txBody>
       </p:sp>
@@ -4501,6 +4417,7 @@
           <a:p>
             <a:fld id="{565CE74E-AB26-4998-AD42-012C4C1AD076}" type="slidenum">
               <a:rPr lang="zh-CN" altLang="en-US" smtClean="0"/>
+              <a:t>‹#›</a:t>
             </a:fld>
             <a:endParaRPr lang="zh-CN" altLang="en-US"/>
           </a:p>
@@ -4548,10 +4465,9 @@
           <a:lstStyle/>
           <a:p>
             <a:r>
-              <a:rPr lang="zh-CN" altLang="en-US" smtClean="0"/>
+              <a:rPr lang="zh-CN" altLang="en-US"/>
               <a:t>单击此处编辑母版标题样式</a:t>
             </a:r>
-            <a:endParaRPr lang="zh-CN" altLang="en-US"/>
           </a:p>
         </p:txBody>
       </p:sp>
@@ -4577,42 +4493,37 @@
           <a:p>
             <a:pPr lvl="0"/>
             <a:r>
-              <a:rPr lang="zh-CN" altLang="en-US" smtClean="0"/>
+              <a:rPr lang="zh-CN" altLang="en-US"/>
               <a:t>单击此处编辑母版文本样式</a:t>
             </a:r>
-            <a:endParaRPr lang="zh-CN" altLang="en-US" smtClean="0"/>
           </a:p>
           <a:p>
             <a:pPr lvl="1"/>
             <a:r>
-              <a:rPr lang="zh-CN" altLang="en-US" smtClean="0"/>
+              <a:rPr lang="zh-CN" altLang="en-US"/>
               <a:t>第二级</a:t>
             </a:r>
-            <a:endParaRPr lang="zh-CN" altLang="en-US" smtClean="0"/>
           </a:p>
           <a:p>
             <a:pPr lvl="2"/>
             <a:r>
-              <a:rPr lang="zh-CN" altLang="en-US" smtClean="0"/>
+              <a:rPr lang="zh-CN" altLang="en-US"/>
               <a:t>第三级</a:t>
             </a:r>
-            <a:endParaRPr lang="zh-CN" altLang="en-US" smtClean="0"/>
           </a:p>
           <a:p>
             <a:pPr lvl="3"/>
             <a:r>
-              <a:rPr lang="zh-CN" altLang="en-US" smtClean="0"/>
+              <a:rPr lang="zh-CN" altLang="en-US"/>
               <a:t>第四级</a:t>
             </a:r>
-            <a:endParaRPr lang="zh-CN" altLang="en-US" smtClean="0"/>
           </a:p>
           <a:p>
             <a:pPr lvl="4"/>
             <a:r>
-              <a:rPr lang="zh-CN" altLang="en-US" smtClean="0"/>
+              <a:rPr lang="zh-CN" altLang="en-US"/>
               <a:t>第五级</a:t>
             </a:r>
-            <a:endParaRPr lang="zh-CN" altLang="en-US"/>
           </a:p>
         </p:txBody>
       </p:sp>
@@ -4638,42 +4549,37 @@
           <a:p>
             <a:pPr lvl="0"/>
             <a:r>
-              <a:rPr lang="zh-CN" altLang="en-US" smtClean="0"/>
+              <a:rPr lang="zh-CN" altLang="en-US"/>
               <a:t>单击此处编辑母版文本样式</a:t>
             </a:r>
-            <a:endParaRPr lang="zh-CN" altLang="en-US" smtClean="0"/>
           </a:p>
           <a:p>
             <a:pPr lvl="1"/>
             <a:r>
-              <a:rPr lang="zh-CN" altLang="en-US" smtClean="0"/>
+              <a:rPr lang="zh-CN" altLang="en-US"/>
               <a:t>第二级</a:t>
             </a:r>
-            <a:endParaRPr lang="zh-CN" altLang="en-US" smtClean="0"/>
           </a:p>
           <a:p>
             <a:pPr lvl="2"/>
             <a:r>
-              <a:rPr lang="zh-CN" altLang="en-US" smtClean="0"/>
+              <a:rPr lang="zh-CN" altLang="en-US"/>
               <a:t>第三级</a:t>
             </a:r>
-            <a:endParaRPr lang="zh-CN" altLang="en-US" smtClean="0"/>
           </a:p>
           <a:p>
             <a:pPr lvl="3"/>
             <a:r>
-              <a:rPr lang="zh-CN" altLang="en-US" smtClean="0"/>
+              <a:rPr lang="zh-CN" altLang="en-US"/>
               <a:t>第四级</a:t>
             </a:r>
-            <a:endParaRPr lang="zh-CN" altLang="en-US" smtClean="0"/>
           </a:p>
           <a:p>
             <a:pPr lvl="4"/>
             <a:r>
-              <a:rPr lang="zh-CN" altLang="en-US" smtClean="0"/>
+              <a:rPr lang="zh-CN" altLang="en-US"/>
               <a:t>第五级</a:t>
             </a:r>
-            <a:endParaRPr lang="zh-CN" altLang="en-US"/>
           </a:p>
         </p:txBody>
       </p:sp>
@@ -4694,6 +4600,7 @@
           <a:p>
             <a:fld id="{D997B5FA-0921-464F-AAE1-844C04324D75}" type="datetimeFigureOut">
               <a:rPr lang="zh-CN" altLang="en-US" smtClean="0"/>
+              <a:t>2018/12/23</a:t>
             </a:fld>
             <a:endParaRPr lang="zh-CN" altLang="en-US"/>
           </a:p>
@@ -4718,7 +4625,6 @@
               <a:rPr lang="zh-CN" altLang="en-US"/>
               <a:t>三人开发小组</a:t>
             </a:r>
-            <a:endParaRPr lang="zh-CN" altLang="en-US"/>
           </a:p>
         </p:txBody>
       </p:sp>
@@ -4739,6 +4645,7 @@
           <a:p>
             <a:fld id="{565CE74E-AB26-4998-AD42-012C4C1AD076}" type="slidenum">
               <a:rPr lang="zh-CN" altLang="en-US" smtClean="0"/>
+              <a:t>‹#›</a:t>
             </a:fld>
             <a:endParaRPr lang="zh-CN" altLang="en-US"/>
           </a:p>
@@ -4791,10 +4698,9 @@
           <a:lstStyle/>
           <a:p>
             <a:r>
-              <a:rPr lang="zh-CN" altLang="en-US" smtClean="0"/>
+              <a:rPr lang="zh-CN" altLang="en-US"/>
               <a:t>单击此处编辑母版标题样式</a:t>
             </a:r>
-            <a:endParaRPr lang="zh-CN" altLang="en-US"/>
           </a:p>
         </p:txBody>
       </p:sp>
@@ -4857,10 +4763,9 @@
           <a:p>
             <a:pPr lvl="0"/>
             <a:r>
-              <a:rPr lang="zh-CN" altLang="en-US" smtClean="0"/>
+              <a:rPr lang="zh-CN" altLang="en-US"/>
               <a:t>单击此处编辑母版文本样式</a:t>
             </a:r>
-            <a:endParaRPr lang="zh-CN" altLang="en-US" smtClean="0"/>
           </a:p>
         </p:txBody>
       </p:sp>
@@ -4886,42 +4791,37 @@
           <a:p>
             <a:pPr lvl="0"/>
             <a:r>
-              <a:rPr lang="zh-CN" altLang="en-US" smtClean="0"/>
+              <a:rPr lang="zh-CN" altLang="en-US"/>
               <a:t>单击此处编辑母版文本样式</a:t>
             </a:r>
-            <a:endParaRPr lang="zh-CN" altLang="en-US" smtClean="0"/>
           </a:p>
           <a:p>
             <a:pPr lvl="1"/>
             <a:r>
-              <a:rPr lang="zh-CN" altLang="en-US" smtClean="0"/>
+              <a:rPr lang="zh-CN" altLang="en-US"/>
               <a:t>第二级</a:t>
             </a:r>
-            <a:endParaRPr lang="zh-CN" altLang="en-US" smtClean="0"/>
           </a:p>
           <a:p>
             <a:pPr lvl="2"/>
             <a:r>
-              <a:rPr lang="zh-CN" altLang="en-US" smtClean="0"/>
+              <a:rPr lang="zh-CN" altLang="en-US"/>
               <a:t>第三级</a:t>
             </a:r>
-            <a:endParaRPr lang="zh-CN" altLang="en-US" smtClean="0"/>
           </a:p>
           <a:p>
             <a:pPr lvl="3"/>
             <a:r>
-              <a:rPr lang="zh-CN" altLang="en-US" smtClean="0"/>
+              <a:rPr lang="zh-CN" altLang="en-US"/>
               <a:t>第四级</a:t>
             </a:r>
-            <a:endParaRPr lang="zh-CN" altLang="en-US" smtClean="0"/>
           </a:p>
           <a:p>
             <a:pPr lvl="4"/>
             <a:r>
-              <a:rPr lang="zh-CN" altLang="en-US" smtClean="0"/>
+              <a:rPr lang="zh-CN" altLang="en-US"/>
               <a:t>第五级</a:t>
             </a:r>
-            <a:endParaRPr lang="zh-CN" altLang="en-US"/>
           </a:p>
         </p:txBody>
       </p:sp>
@@ -4984,10 +4884,9 @@
           <a:p>
             <a:pPr lvl="0"/>
             <a:r>
-              <a:rPr lang="zh-CN" altLang="en-US" smtClean="0"/>
+              <a:rPr lang="zh-CN" altLang="en-US"/>
               <a:t>单击此处编辑母版文本样式</a:t>
             </a:r>
-            <a:endParaRPr lang="zh-CN" altLang="en-US" smtClean="0"/>
           </a:p>
         </p:txBody>
       </p:sp>
@@ -5013,42 +4912,37 @@
           <a:p>
             <a:pPr lvl="0"/>
             <a:r>
-              <a:rPr lang="zh-CN" altLang="en-US" smtClean="0"/>
+              <a:rPr lang="zh-CN" altLang="en-US"/>
               <a:t>单击此处编辑母版文本样式</a:t>
             </a:r>
-            <a:endParaRPr lang="zh-CN" altLang="en-US" smtClean="0"/>
           </a:p>
           <a:p>
             <a:pPr lvl="1"/>
             <a:r>
-              <a:rPr lang="zh-CN" altLang="en-US" smtClean="0"/>
+              <a:rPr lang="zh-CN" altLang="en-US"/>
               <a:t>第二级</a:t>
             </a:r>
-            <a:endParaRPr lang="zh-CN" altLang="en-US" smtClean="0"/>
           </a:p>
           <a:p>
             <a:pPr lvl="2"/>
             <a:r>
-              <a:rPr lang="zh-CN" altLang="en-US" smtClean="0"/>
+              <a:rPr lang="zh-CN" altLang="en-US"/>
               <a:t>第三级</a:t>
             </a:r>
-            <a:endParaRPr lang="zh-CN" altLang="en-US" smtClean="0"/>
           </a:p>
           <a:p>
             <a:pPr lvl="3"/>
             <a:r>
-              <a:rPr lang="zh-CN" altLang="en-US" smtClean="0"/>
+              <a:rPr lang="zh-CN" altLang="en-US"/>
               <a:t>第四级</a:t>
             </a:r>
-            <a:endParaRPr lang="zh-CN" altLang="en-US" smtClean="0"/>
           </a:p>
           <a:p>
             <a:pPr lvl="4"/>
             <a:r>
-              <a:rPr lang="zh-CN" altLang="en-US" smtClean="0"/>
+              <a:rPr lang="zh-CN" altLang="en-US"/>
               <a:t>第五级</a:t>
             </a:r>
-            <a:endParaRPr lang="zh-CN" altLang="en-US"/>
           </a:p>
         </p:txBody>
       </p:sp>
@@ -5069,6 +4963,7 @@
           <a:p>
             <a:fld id="{D997B5FA-0921-464F-AAE1-844C04324D75}" type="datetimeFigureOut">
               <a:rPr lang="zh-CN" altLang="en-US" smtClean="0"/>
+              <a:t>2018/12/23</a:t>
             </a:fld>
             <a:endParaRPr lang="zh-CN" altLang="en-US"/>
           </a:p>
@@ -5093,7 +4988,6 @@
               <a:rPr lang="zh-CN" altLang="en-US"/>
               <a:t>三人开发小组</a:t>
             </a:r>
-            <a:endParaRPr lang="zh-CN" altLang="en-US"/>
           </a:p>
         </p:txBody>
       </p:sp>
@@ -5114,6 +5008,7 @@
           <a:p>
             <a:fld id="{565CE74E-AB26-4998-AD42-012C4C1AD076}" type="slidenum">
               <a:rPr lang="zh-CN" altLang="en-US" smtClean="0"/>
+              <a:t>‹#›</a:t>
             </a:fld>
             <a:endParaRPr lang="zh-CN" altLang="en-US"/>
           </a:p>
@@ -5161,10 +5056,9 @@
           <a:lstStyle/>
           <a:p>
             <a:r>
-              <a:rPr lang="zh-CN" altLang="en-US" smtClean="0"/>
+              <a:rPr lang="zh-CN" altLang="en-US"/>
               <a:t>单击此处编辑母版标题样式</a:t>
             </a:r>
-            <a:endParaRPr lang="zh-CN" altLang="en-US"/>
           </a:p>
         </p:txBody>
       </p:sp>
@@ -5185,6 +5079,7 @@
           <a:p>
             <a:fld id="{D997B5FA-0921-464F-AAE1-844C04324D75}" type="datetimeFigureOut">
               <a:rPr lang="zh-CN" altLang="en-US" smtClean="0"/>
+              <a:t>2018/12/23</a:t>
             </a:fld>
             <a:endParaRPr lang="zh-CN" altLang="en-US"/>
           </a:p>
@@ -5209,7 +5104,6 @@
               <a:rPr lang="zh-CN" altLang="en-US"/>
               <a:t>三人开发小组</a:t>
             </a:r>
-            <a:endParaRPr lang="zh-CN" altLang="en-US"/>
           </a:p>
         </p:txBody>
       </p:sp>
@@ -5230,6 +5124,7 @@
           <a:p>
             <a:fld id="{565CE74E-AB26-4998-AD42-012C4C1AD076}" type="slidenum">
               <a:rPr lang="zh-CN" altLang="en-US" smtClean="0"/>
+              <a:t>‹#›</a:t>
             </a:fld>
             <a:endParaRPr lang="zh-CN" altLang="en-US"/>
           </a:p>
@@ -5278,6 +5173,7 @@
           <a:p>
             <a:fld id="{D997B5FA-0921-464F-AAE1-844C04324D75}" type="datetimeFigureOut">
               <a:rPr lang="zh-CN" altLang="en-US" smtClean="0"/>
+              <a:t>2018/12/23</a:t>
             </a:fld>
             <a:endParaRPr lang="zh-CN" altLang="en-US"/>
           </a:p>
@@ -5302,7 +5198,6 @@
               <a:rPr lang="zh-CN" altLang="en-US"/>
               <a:t>三人开发小组</a:t>
             </a:r>
-            <a:endParaRPr lang="zh-CN" altLang="en-US"/>
           </a:p>
         </p:txBody>
       </p:sp>
@@ -5323,6 +5218,7 @@
           <a:p>
             <a:fld id="{565CE74E-AB26-4998-AD42-012C4C1AD076}" type="slidenum">
               <a:rPr lang="zh-CN" altLang="en-US" smtClean="0"/>
+              <a:t>‹#›</a:t>
             </a:fld>
             <a:endParaRPr lang="zh-CN" altLang="en-US"/>
           </a:p>
@@ -5379,10 +5275,9 @@
           </a:lstStyle>
           <a:p>
             <a:r>
-              <a:rPr lang="zh-CN" altLang="en-US" smtClean="0"/>
+              <a:rPr lang="zh-CN" altLang="en-US"/>
               <a:t>单击此处编辑母版标题样式</a:t>
             </a:r>
-            <a:endParaRPr lang="zh-CN" altLang="en-US"/>
           </a:p>
         </p:txBody>
       </p:sp>
@@ -5436,42 +5331,37 @@
           <a:p>
             <a:pPr lvl="0"/>
             <a:r>
-              <a:rPr lang="zh-CN" altLang="en-US" smtClean="0"/>
+              <a:rPr lang="zh-CN" altLang="en-US"/>
               <a:t>单击此处编辑母版文本样式</a:t>
             </a:r>
-            <a:endParaRPr lang="zh-CN" altLang="en-US" smtClean="0"/>
           </a:p>
           <a:p>
             <a:pPr lvl="1"/>
             <a:r>
-              <a:rPr lang="zh-CN" altLang="en-US" smtClean="0"/>
+              <a:rPr lang="zh-CN" altLang="en-US"/>
               <a:t>第二级</a:t>
             </a:r>
-            <a:endParaRPr lang="zh-CN" altLang="en-US" smtClean="0"/>
           </a:p>
           <a:p>
             <a:pPr lvl="2"/>
             <a:r>
-              <a:rPr lang="zh-CN" altLang="en-US" smtClean="0"/>
+              <a:rPr lang="zh-CN" altLang="en-US"/>
               <a:t>第三级</a:t>
             </a:r>
-            <a:endParaRPr lang="zh-CN" altLang="en-US" smtClean="0"/>
           </a:p>
           <a:p>
             <a:pPr lvl="3"/>
             <a:r>
-              <a:rPr lang="zh-CN" altLang="en-US" smtClean="0"/>
+              <a:rPr lang="zh-CN" altLang="en-US"/>
               <a:t>第四级</a:t>
             </a:r>
-            <a:endParaRPr lang="zh-CN" altLang="en-US" smtClean="0"/>
           </a:p>
           <a:p>
             <a:pPr lvl="4"/>
             <a:r>
-              <a:rPr lang="zh-CN" altLang="en-US" smtClean="0"/>
+              <a:rPr lang="zh-CN" altLang="en-US"/>
               <a:t>第五级</a:t>
             </a:r>
-            <a:endParaRPr lang="zh-CN" altLang="en-US"/>
           </a:p>
         </p:txBody>
       </p:sp>
@@ -5534,10 +5424,9 @@
           <a:p>
             <a:pPr lvl="0"/>
             <a:r>
-              <a:rPr lang="zh-CN" altLang="en-US" smtClean="0"/>
+              <a:rPr lang="zh-CN" altLang="en-US"/>
               <a:t>单击此处编辑母版文本样式</a:t>
             </a:r>
-            <a:endParaRPr lang="zh-CN" altLang="en-US" smtClean="0"/>
           </a:p>
         </p:txBody>
       </p:sp>
@@ -5558,6 +5447,7 @@
           <a:p>
             <a:fld id="{D997B5FA-0921-464F-AAE1-844C04324D75}" type="datetimeFigureOut">
               <a:rPr lang="zh-CN" altLang="en-US" smtClean="0"/>
+              <a:t>2018/12/23</a:t>
             </a:fld>
             <a:endParaRPr lang="zh-CN" altLang="en-US"/>
           </a:p>
@@ -5582,7 +5472,6 @@
               <a:rPr lang="zh-CN" altLang="en-US"/>
               <a:t>三人开发小组</a:t>
             </a:r>
-            <a:endParaRPr lang="zh-CN" altLang="en-US"/>
           </a:p>
         </p:txBody>
       </p:sp>
@@ -5603,6 +5492,7 @@
           <a:p>
             <a:fld id="{565CE74E-AB26-4998-AD42-012C4C1AD076}" type="slidenum">
               <a:rPr lang="zh-CN" altLang="en-US" smtClean="0"/>
+              <a:t>‹#›</a:t>
             </a:fld>
             <a:endParaRPr lang="zh-CN" altLang="en-US"/>
           </a:p>
@@ -5659,10 +5549,9 @@
           </a:lstStyle>
           <a:p>
             <a:r>
-              <a:rPr lang="zh-CN" altLang="en-US" smtClean="0"/>
+              <a:rPr lang="zh-CN" altLang="en-US"/>
               <a:t>单击此处编辑母版标题样式</a:t>
             </a:r>
-            <a:endParaRPr lang="zh-CN" altLang="en-US"/>
           </a:p>
         </p:txBody>
       </p:sp>
@@ -5786,10 +5675,9 @@
           <a:p>
             <a:pPr lvl="0"/>
             <a:r>
-              <a:rPr lang="zh-CN" altLang="en-US" smtClean="0"/>
+              <a:rPr lang="zh-CN" altLang="en-US"/>
               <a:t>单击此处编辑母版文本样式</a:t>
             </a:r>
-            <a:endParaRPr lang="zh-CN" altLang="en-US" smtClean="0"/>
           </a:p>
         </p:txBody>
       </p:sp>
@@ -5810,6 +5698,7 @@
           <a:p>
             <a:fld id="{D997B5FA-0921-464F-AAE1-844C04324D75}" type="datetimeFigureOut">
               <a:rPr lang="zh-CN" altLang="en-US" smtClean="0"/>
+              <a:t>2018/12/23</a:t>
             </a:fld>
             <a:endParaRPr lang="zh-CN" altLang="en-US"/>
           </a:p>
@@ -5834,7 +5723,6 @@
               <a:rPr lang="zh-CN" altLang="en-US"/>
               <a:t>三人开发小组</a:t>
             </a:r>
-            <a:endParaRPr lang="zh-CN" altLang="en-US"/>
           </a:p>
         </p:txBody>
       </p:sp>
@@ -5855,6 +5743,7 @@
           <a:p>
             <a:fld id="{565CE74E-AB26-4998-AD42-012C4C1AD076}" type="slidenum">
               <a:rPr lang="zh-CN" altLang="en-US" smtClean="0"/>
+              <a:t>‹#›</a:t>
             </a:fld>
             <a:endParaRPr lang="zh-CN" altLang="en-US"/>
           </a:p>
@@ -5917,10 +5806,9 @@
           <a:lstStyle/>
           <a:p>
             <a:r>
-              <a:rPr lang="zh-CN" altLang="en-US" smtClean="0"/>
+              <a:rPr lang="zh-CN" altLang="en-US"/>
               <a:t>单击此处编辑母版标题样式</a:t>
             </a:r>
-            <a:endParaRPr lang="zh-CN" altLang="en-US"/>
           </a:p>
         </p:txBody>
       </p:sp>
@@ -5951,42 +5839,37 @@
           <a:p>
             <a:pPr lvl="0"/>
             <a:r>
-              <a:rPr lang="zh-CN" altLang="en-US" smtClean="0"/>
+              <a:rPr lang="zh-CN" altLang="en-US"/>
               <a:t>单击此处编辑母版文本样式</a:t>
             </a:r>
-            <a:endParaRPr lang="zh-CN" altLang="en-US" smtClean="0"/>
           </a:p>
           <a:p>
             <a:pPr lvl="1"/>
             <a:r>
-              <a:rPr lang="zh-CN" altLang="en-US" smtClean="0"/>
+              <a:rPr lang="zh-CN" altLang="en-US"/>
               <a:t>第二级</a:t>
             </a:r>
-            <a:endParaRPr lang="zh-CN" altLang="en-US" smtClean="0"/>
           </a:p>
           <a:p>
             <a:pPr lvl="2"/>
             <a:r>
-              <a:rPr lang="zh-CN" altLang="en-US" smtClean="0"/>
+              <a:rPr lang="zh-CN" altLang="en-US"/>
               <a:t>第三级</a:t>
             </a:r>
-            <a:endParaRPr lang="zh-CN" altLang="en-US" smtClean="0"/>
           </a:p>
           <a:p>
             <a:pPr lvl="3"/>
             <a:r>
-              <a:rPr lang="zh-CN" altLang="en-US" smtClean="0"/>
+              <a:rPr lang="zh-CN" altLang="en-US"/>
               <a:t>第四级</a:t>
             </a:r>
-            <a:endParaRPr lang="zh-CN" altLang="en-US" smtClean="0"/>
           </a:p>
           <a:p>
             <a:pPr lvl="4"/>
             <a:r>
-              <a:rPr lang="zh-CN" altLang="en-US" smtClean="0"/>
+              <a:rPr lang="zh-CN" altLang="en-US"/>
               <a:t>第五级</a:t>
             </a:r>
-            <a:endParaRPr lang="zh-CN" altLang="en-US"/>
           </a:p>
         </p:txBody>
       </p:sp>
@@ -6025,6 +5908,7 @@
           <a:p>
             <a:fld id="{D997B5FA-0921-464F-AAE1-844C04324D75}" type="datetimeFigureOut">
               <a:rPr lang="zh-CN" altLang="en-US" smtClean="0"/>
+              <a:t>2018/12/23</a:t>
             </a:fld>
             <a:endParaRPr lang="zh-CN" altLang="en-US"/>
           </a:p>
@@ -6067,7 +5951,6 @@
               <a:rPr lang="zh-CN" altLang="en-US"/>
               <a:t>三人开发小组</a:t>
             </a:r>
-            <a:endParaRPr lang="zh-CN" altLang="en-US"/>
           </a:p>
         </p:txBody>
       </p:sp>
@@ -6106,6 +5989,7 @@
           <a:p>
             <a:fld id="{565CE74E-AB26-4998-AD42-012C4C1AD076}" type="slidenum">
               <a:rPr lang="zh-CN" altLang="en-US" smtClean="0"/>
+              <a:t>‹#›</a:t>
             </a:fld>
             <a:endParaRPr lang="zh-CN" altLang="en-US"/>
           </a:p>
@@ -6482,22 +6366,17 @@
           <a:p>
             <a:pPr algn="ctr"/>
             <a:r>
-              <a:rPr lang="zh-CN" altLang="en-US" sz="6000" dirty="0" smtClean="0"/>
-              <a:t>游戏</a:t>
-            </a:r>
-            <a:r>
               <a:rPr lang="zh-CN" altLang="en-US" sz="6000" dirty="0"/>
-              <a:t>心理学</a:t>
-            </a:r>
-            <a:r>
-              <a:rPr lang="en-US" altLang="zh-CN" sz="6000" dirty="0" smtClean="0"/>
+              <a:t>游戏心理学</a:t>
+            </a:r>
+            <a:r>
+              <a:rPr lang="en-US" altLang="zh-CN" sz="6000" dirty="0"/>
               <a:t>-</a:t>
             </a:r>
             <a:r>
-              <a:rPr lang="zh-CN" altLang="en-US" sz="6000" dirty="0" smtClean="0"/>
+              <a:rPr lang="zh-CN" altLang="en-US" sz="6000" dirty="0"/>
               <a:t>辅助设计理论</a:t>
             </a:r>
-            <a:endParaRPr lang="zh-CN" altLang="en-US" sz="6000" dirty="0"/>
           </a:p>
         </p:txBody>
       </p:sp>
@@ -6506,13 +6385,6 @@
   <p:clrMapOvr>
     <a:masterClrMapping/>
   </p:clrMapOvr>
-  <p:timing>
-    <p:tnLst>
-      <p:par>
-        <p:cTn id="1" dur="indefinite" restart="never" nodeType="tmRoot"/>
-      </p:par>
-    </p:tnLst>
-  </p:timing>
 </p:sld>
 </file>
 
@@ -6609,11 +6481,6 @@
               </a:rPr>
               <a:t>游戏中的心理学</a:t>
             </a:r>
-            <a:endParaRPr lang="zh-CN" altLang="en-US" sz="3500" dirty="0">
-              <a:solidFill>
-                <a:prstClr val="white"/>
-              </a:solidFill>
-            </a:endParaRPr>
           </a:p>
         </p:txBody>
       </p:sp>
@@ -6662,11 +6529,6 @@
               </a:rPr>
               <a:t>斯金纳箱</a:t>
             </a:r>
-            <a:endParaRPr lang="zh-CN" altLang="en-US" sz="2500" dirty="0">
-              <a:solidFill>
-                <a:schemeClr val="bg1"/>
-              </a:solidFill>
-            </a:endParaRPr>
           </a:p>
         </p:txBody>
       </p:sp>
@@ -6700,11 +6562,6 @@
               </a:rPr>
               <a:t>斯金纳通过实验发现，动物的学习行为是随着一个起强化作用的刺激而发生的。斯金纳把动物的学习行为推而广之到人类的学习行为上，他认为虽然人类学习行为的性质比动物复杂得多，但也要通过操作性条件反射。操作性条件反射的特点是：强化刺激既不与反应同时发生，也不先于反应，而是随着反应发生。有机体必须先作出所希望的反应，然后得到“报酬”，即强化刺激，使这种反应得到强化。</a:t>
             </a:r>
-            <a:endParaRPr lang="zh-CN" altLang="en-US">
-              <a:solidFill>
-                <a:schemeClr val="bg1"/>
-              </a:solidFill>
-            </a:endParaRPr>
           </a:p>
         </p:txBody>
       </p:sp>
@@ -6738,11 +6595,6 @@
               </a:rPr>
               <a:t>解释</a:t>
             </a:r>
-            <a:endParaRPr lang="zh-CN" altLang="en-US">
-              <a:solidFill>
-                <a:schemeClr val="bg1"/>
-              </a:solidFill>
-            </a:endParaRPr>
           </a:p>
         </p:txBody>
       </p:sp>
@@ -6776,11 +6628,6 @@
               </a:rPr>
               <a:t>游戏中的应用</a:t>
             </a:r>
-            <a:endParaRPr lang="zh-CN" altLang="en-US">
-              <a:solidFill>
-                <a:schemeClr val="bg1"/>
-              </a:solidFill>
-            </a:endParaRPr>
           </a:p>
         </p:txBody>
       </p:sp>
@@ -6838,11 +6685,6 @@
               </a:rPr>
               <a:t>站后随机掉落奖励</a:t>
             </a:r>
-            <a:endParaRPr lang="zh-CN" altLang="en-US">
-              <a:solidFill>
-                <a:schemeClr val="bg1"/>
-              </a:solidFill>
-            </a:endParaRPr>
           </a:p>
           <a:p>
             <a:r>
@@ -6893,11 +6735,6 @@
               </a:rPr>
               <a:t>小时领取宝箱</a:t>
             </a:r>
-            <a:endParaRPr lang="zh-CN" altLang="en-US">
-              <a:solidFill>
-                <a:schemeClr val="bg1"/>
-              </a:solidFill>
-            </a:endParaRPr>
           </a:p>
         </p:txBody>
       </p:sp>
@@ -6906,13 +6743,6 @@
   <p:clrMapOvr>
     <a:masterClrMapping/>
   </p:clrMapOvr>
-  <p:timing>
-    <p:tnLst>
-      <p:par>
-        <p:cTn id="1" dur="indefinite" restart="never" nodeType="tmRoot"/>
-      </p:par>
-    </p:tnLst>
-  </p:timing>
 </p:sld>
 </file>
 
@@ -7009,11 +6839,6 @@
               </a:rPr>
               <a:t>游戏中的心理学</a:t>
             </a:r>
-            <a:endParaRPr lang="zh-CN" altLang="en-US" sz="3500" dirty="0">
-              <a:solidFill>
-                <a:prstClr val="white"/>
-              </a:solidFill>
-            </a:endParaRPr>
           </a:p>
         </p:txBody>
       </p:sp>
@@ -7062,11 +6887,6 @@
               </a:rPr>
               <a:t>目标梯度效应</a:t>
             </a:r>
-            <a:endParaRPr lang="zh-CN" altLang="en-US" sz="2500" dirty="0">
-              <a:solidFill>
-                <a:schemeClr val="bg1"/>
-              </a:solidFill>
-            </a:endParaRPr>
           </a:p>
         </p:txBody>
       </p:sp>
@@ -7100,11 +6920,6 @@
               </a:rPr>
               <a:t>科学家很早就发现，人类或动物具有接近目标时加快行动的效应，比如兔子快要接近食物时会跑得更快，这被称为“目标梯度效应”。</a:t>
             </a:r>
-            <a:endParaRPr lang="zh-CN" altLang="en-US">
-              <a:solidFill>
-                <a:schemeClr val="bg1"/>
-              </a:solidFill>
-            </a:endParaRPr>
           </a:p>
         </p:txBody>
       </p:sp>
@@ -7138,11 +6953,6 @@
               </a:rPr>
               <a:t>解释</a:t>
             </a:r>
-            <a:endParaRPr lang="zh-CN" altLang="en-US">
-              <a:solidFill>
-                <a:schemeClr val="bg1"/>
-              </a:solidFill>
-            </a:endParaRPr>
           </a:p>
         </p:txBody>
       </p:sp>
@@ -7176,11 +6986,6 @@
               </a:rPr>
               <a:t>游戏中的应用</a:t>
             </a:r>
-            <a:endParaRPr lang="zh-CN" altLang="en-US">
-              <a:solidFill>
-                <a:schemeClr val="bg1"/>
-              </a:solidFill>
-            </a:endParaRPr>
           </a:p>
         </p:txBody>
       </p:sp>
@@ -7230,11 +7035,6 @@
               </a:rPr>
               <a:t>中各种目标的叠加，使玩家始终接近目标（成瘾性）</a:t>
             </a:r>
-            <a:endParaRPr lang="zh-CN" altLang="en-US">
-              <a:solidFill>
-                <a:schemeClr val="bg1"/>
-              </a:solidFill>
-            </a:endParaRPr>
           </a:p>
           <a:p>
             <a:r>
@@ -7253,11 +7053,6 @@
               </a:rPr>
               <a:t>王者荣耀中复杂的任务系统</a:t>
             </a:r>
-            <a:endParaRPr lang="zh-CN" altLang="en-US">
-              <a:solidFill>
-                <a:schemeClr val="bg1"/>
-              </a:solidFill>
-            </a:endParaRPr>
           </a:p>
         </p:txBody>
       </p:sp>
@@ -7266,13 +7061,6 @@
   <p:clrMapOvr>
     <a:masterClrMapping/>
   </p:clrMapOvr>
-  <p:timing>
-    <p:tnLst>
-      <p:par>
-        <p:cTn id="1" dur="indefinite" restart="never" nodeType="tmRoot"/>
-      </p:par>
-    </p:tnLst>
-  </p:timing>
 </p:sld>
 </file>
 
@@ -7369,11 +7157,6 @@
               </a:rPr>
               <a:t>游戏中的心理学</a:t>
             </a:r>
-            <a:endParaRPr lang="zh-CN" altLang="en-US" sz="3500" dirty="0">
-              <a:solidFill>
-                <a:prstClr val="white"/>
-              </a:solidFill>
-            </a:endParaRPr>
           </a:p>
         </p:txBody>
       </p:sp>
@@ -7422,11 +7205,6 @@
               </a:rPr>
               <a:t>恐怖谷理论</a:t>
             </a:r>
-            <a:endParaRPr lang="zh-CN" altLang="en-US" sz="2500" dirty="0">
-              <a:solidFill>
-                <a:schemeClr val="bg1"/>
-              </a:solidFill>
-            </a:endParaRPr>
           </a:p>
         </p:txBody>
       </p:sp>
@@ -7460,11 +7238,6 @@
               </a:rPr>
               <a:t>由于机器人与人类的相似性，会让人类对机器人产生正面情感；当到达一个特定阀值时，哪怕机器人和人类只有一丁点差别，都会让人感觉到机器人的的僵硬和恐怖，并会给人以极度负面的情感；直到相似度继续上升，人类对机器人才会再次产生正面情感。</a:t>
             </a:r>
-            <a:endParaRPr lang="zh-CN" altLang="en-US">
-              <a:solidFill>
-                <a:schemeClr val="bg1"/>
-              </a:solidFill>
-            </a:endParaRPr>
           </a:p>
         </p:txBody>
       </p:sp>
@@ -7498,11 +7271,6 @@
               </a:rPr>
               <a:t>解释</a:t>
             </a:r>
-            <a:endParaRPr lang="zh-CN" altLang="en-US">
-              <a:solidFill>
-                <a:schemeClr val="bg1"/>
-              </a:solidFill>
-            </a:endParaRPr>
           </a:p>
         </p:txBody>
       </p:sp>
@@ -7536,11 +7304,6 @@
               </a:rPr>
               <a:t>游戏中的应用</a:t>
             </a:r>
-            <a:endParaRPr lang="zh-CN" altLang="en-US">
-              <a:solidFill>
-                <a:schemeClr val="bg1"/>
-              </a:solidFill>
-            </a:endParaRPr>
           </a:p>
         </p:txBody>
       </p:sp>
@@ -7590,11 +7353,6 @@
               </a:rPr>
               <a:t>GTA</a:t>
             </a:r>
-            <a:endParaRPr lang="en-US" altLang="zh-CN">
-              <a:solidFill>
-                <a:schemeClr val="bg1"/>
-              </a:solidFill>
-            </a:endParaRPr>
           </a:p>
           <a:p>
             <a:r>
@@ -7611,21 +7369,8 @@
                   <a:schemeClr val="bg1"/>
                 </a:solidFill>
               </a:rPr>
-              <a:t>让角色</a:t>
-            </a:r>
-            <a:r>
-              <a:rPr lang="zh-CN" altLang="en-US">
-                <a:solidFill>
-                  <a:schemeClr val="bg1"/>
-                </a:solidFill>
-              </a:rPr>
-              <a:t>回归抽象，如任天堂</a:t>
-            </a:r>
-            <a:endParaRPr lang="zh-CN" altLang="en-US">
-              <a:solidFill>
-                <a:schemeClr val="bg1"/>
-              </a:solidFill>
-            </a:endParaRPr>
+              <a:t>让角色回归抽象，如任天堂</a:t>
+            </a:r>
           </a:p>
         </p:txBody>
       </p:sp>
@@ -7634,13 +7379,6 @@
   <p:clrMapOvr>
     <a:masterClrMapping/>
   </p:clrMapOvr>
-  <p:timing>
-    <p:tnLst>
-      <p:par>
-        <p:cTn id="1" dur="indefinite" restart="never" nodeType="tmRoot"/>
-      </p:par>
-    </p:tnLst>
-  </p:timing>
 </p:sld>
 </file>
 
@@ -7737,11 +7475,6 @@
               </a:rPr>
               <a:t>游戏中的心理学</a:t>
             </a:r>
-            <a:endParaRPr lang="zh-CN" altLang="en-US" sz="3500" dirty="0">
-              <a:solidFill>
-                <a:prstClr val="white"/>
-              </a:solidFill>
-            </a:endParaRPr>
           </a:p>
         </p:txBody>
       </p:sp>
@@ -7783,18 +7516,13 @@
           <a:p>
             <a:pPr algn="ctr"/>
             <a:r>
-              <a:rPr lang="zh-CN" altLang="en-US" sz="2500" dirty="0" smtClean="0">
+              <a:rPr lang="zh-CN" altLang="en-US" sz="2500" dirty="0">
                 <a:solidFill>
                   <a:schemeClr val="bg1"/>
                 </a:solidFill>
               </a:rPr>
               <a:t>未完待续</a:t>
             </a:r>
-            <a:endParaRPr lang="zh-CN" altLang="en-US" sz="2500" dirty="0">
-              <a:solidFill>
-                <a:schemeClr val="bg1"/>
-              </a:solidFill>
-            </a:endParaRPr>
           </a:p>
         </p:txBody>
       </p:sp>
@@ -7803,13 +7531,6 @@
   <p:clrMapOvr>
     <a:masterClrMapping/>
   </p:clrMapOvr>
-  <p:timing>
-    <p:tnLst>
-      <p:par>
-        <p:cTn id="1" dur="indefinite" restart="never" nodeType="tmRoot"/>
-      </p:par>
-    </p:tnLst>
-  </p:timing>
 </p:sld>
 </file>
 
@@ -7899,18 +7620,13 @@
           <a:lstStyle/>
           <a:p>
             <a:r>
-              <a:rPr lang="zh-CN" altLang="en-US" sz="3500" dirty="0" smtClean="0">
+              <a:rPr lang="zh-CN" altLang="en-US" sz="3500" dirty="0">
                 <a:solidFill>
                   <a:schemeClr val="bg1"/>
                 </a:solidFill>
               </a:rPr>
               <a:t>马斯洛需求层次理论</a:t>
             </a:r>
-            <a:endParaRPr lang="zh-CN" altLang="en-US" sz="3500" dirty="0">
-              <a:solidFill>
-                <a:schemeClr val="bg1"/>
-              </a:solidFill>
-            </a:endParaRPr>
           </a:p>
         </p:txBody>
       </p:sp>
@@ -7918,7 +7634,13 @@
         <p:nvGraphicFramePr>
           <p:cNvPr id="6" name="Diagram 5"/>
           <p:cNvGraphicFramePr/>
-          <p:nvPr/>
+          <p:nvPr>
+            <p:extLst>
+              <p:ext uri="{D42A27DB-BD31-4B8C-83A1-F6EECF244321}">
+                <p14:modId xmlns:p14="http://schemas.microsoft.com/office/powerpoint/2010/main" val="2080322564"/>
+              </p:ext>
+            </p:extLst>
+          </p:nvPr>
         </p:nvGraphicFramePr>
         <p:xfrm>
           <a:off x="2610280" y="1615737"/>
@@ -7926,7 +7648,7 @@
         </p:xfrm>
         <a:graphic>
           <a:graphicData uri="http://schemas.openxmlformats.org/drawingml/2006/diagram">
-            <dgm:relIds xmlns:dgm="http://schemas.openxmlformats.org/drawingml/2006/diagram" xmlns:r="http://schemas.openxmlformats.org/officeDocument/2006/relationships" r:dm="rId1" r:lo="rId2" r:qs="rId3" r:cs="rId4"/>
+            <dgm:relIds xmlns:dgm="http://schemas.openxmlformats.org/drawingml/2006/diagram" xmlns:r="http://schemas.openxmlformats.org/officeDocument/2006/relationships" r:dm="rId2" r:lo="rId3" r:qs="rId4" r:cs="rId5"/>
           </a:graphicData>
         </a:graphic>
       </p:graphicFrame>
@@ -7976,13 +7698,6 @@
   <p:clrMapOvr>
     <a:masterClrMapping/>
   </p:clrMapOvr>
-  <p:timing>
-    <p:tnLst>
-      <p:par>
-        <p:cTn id="1" dur="indefinite" restart="never" nodeType="tmRoot"/>
-      </p:par>
-    </p:tnLst>
-  </p:timing>
 </p:sld>
 </file>
 
@@ -8072,18 +7787,13 @@
           <a:lstStyle/>
           <a:p>
             <a:r>
-              <a:rPr lang="zh-CN" altLang="en-US" sz="3500" dirty="0" smtClean="0">
+              <a:rPr lang="zh-CN" altLang="en-US" sz="3500" dirty="0">
                 <a:solidFill>
                   <a:prstClr val="white"/>
                 </a:solidFill>
               </a:rPr>
               <a:t>马斯洛需求层次理论</a:t>
             </a:r>
-            <a:endParaRPr lang="zh-CN" altLang="en-US" sz="3500" dirty="0">
-              <a:solidFill>
-                <a:prstClr val="white"/>
-              </a:solidFill>
-            </a:endParaRPr>
           </a:p>
         </p:txBody>
       </p:sp>
@@ -8110,7 +7820,7 @@
           <a:lstStyle/>
           <a:p>
             <a:r>
-              <a:rPr lang="zh-CN" altLang="en-US" sz="2500" dirty="0" smtClean="0">
+              <a:rPr lang="zh-CN" altLang="en-US" sz="2500" dirty="0">
                 <a:solidFill>
                   <a:prstClr val="white"/>
                 </a:solidFill>
@@ -8118,7 +7828,7 @@
               <a:t>生理需求</a:t>
             </a:r>
             <a:r>
-              <a:rPr lang="en-US" altLang="zh-CN" sz="2500" dirty="0" smtClean="0">
+              <a:rPr lang="en-US" altLang="zh-CN" sz="2500" dirty="0">
                 <a:solidFill>
                   <a:prstClr val="white"/>
                 </a:solidFill>
@@ -8126,18 +7836,13 @@
               <a:t>-</a:t>
             </a:r>
             <a:r>
-              <a:rPr lang="zh-CN" altLang="en-US" sz="2500" dirty="0" smtClean="0">
+              <a:rPr lang="zh-CN" altLang="en-US" sz="2500" dirty="0">
                 <a:solidFill>
                   <a:prstClr val="white"/>
                 </a:solidFill>
               </a:rPr>
               <a:t>低级需求</a:t>
             </a:r>
-            <a:endParaRPr lang="zh-CN" altLang="en-US" sz="2500" dirty="0">
-              <a:solidFill>
-                <a:prstClr val="white"/>
-              </a:solidFill>
-            </a:endParaRPr>
           </a:p>
         </p:txBody>
       </p:sp>
@@ -8160,13 +7865,55 @@
                 <a:tableStyleId>{9D7B26C5-4107-4FEC-AEDC-1716B250A1EF}</a:tableStyleId>
               </a:tblPr>
               <a:tblGrid>
-                <a:gridCol w="1220186"/>
-                <a:gridCol w="1220186"/>
-                <a:gridCol w="1220186"/>
-                <a:gridCol w="1220186"/>
-                <a:gridCol w="1220186"/>
-                <a:gridCol w="1220186"/>
-                <a:gridCol w="1220186"/>
+                <a:gridCol w="1220186">
+                  <a:extLst>
+                    <a:ext uri="{9D8B030D-6E8A-4147-A177-3AD203B41FA5}">
+                      <a16:colId xmlns:a16="http://schemas.microsoft.com/office/drawing/2014/main" val="20000"/>
+                    </a:ext>
+                  </a:extLst>
+                </a:gridCol>
+                <a:gridCol w="1220186">
+                  <a:extLst>
+                    <a:ext uri="{9D8B030D-6E8A-4147-A177-3AD203B41FA5}">
+                      <a16:colId xmlns:a16="http://schemas.microsoft.com/office/drawing/2014/main" val="20001"/>
+                    </a:ext>
+                  </a:extLst>
+                </a:gridCol>
+                <a:gridCol w="1220186">
+                  <a:extLst>
+                    <a:ext uri="{9D8B030D-6E8A-4147-A177-3AD203B41FA5}">
+                      <a16:colId xmlns:a16="http://schemas.microsoft.com/office/drawing/2014/main" val="20002"/>
+                    </a:ext>
+                  </a:extLst>
+                </a:gridCol>
+                <a:gridCol w="1220186">
+                  <a:extLst>
+                    <a:ext uri="{9D8B030D-6E8A-4147-A177-3AD203B41FA5}">
+                      <a16:colId xmlns:a16="http://schemas.microsoft.com/office/drawing/2014/main" val="20003"/>
+                    </a:ext>
+                  </a:extLst>
+                </a:gridCol>
+                <a:gridCol w="1220186">
+                  <a:extLst>
+                    <a:ext uri="{9D8B030D-6E8A-4147-A177-3AD203B41FA5}">
+                      <a16:colId xmlns:a16="http://schemas.microsoft.com/office/drawing/2014/main" val="20004"/>
+                    </a:ext>
+                  </a:extLst>
+                </a:gridCol>
+                <a:gridCol w="1220186">
+                  <a:extLst>
+                    <a:ext uri="{9D8B030D-6E8A-4147-A177-3AD203B41FA5}">
+                      <a16:colId xmlns:a16="http://schemas.microsoft.com/office/drawing/2014/main" val="20005"/>
+                    </a:ext>
+                  </a:extLst>
+                </a:gridCol>
+                <a:gridCol w="1220186">
+                  <a:extLst>
+                    <a:ext uri="{9D8B030D-6E8A-4147-A177-3AD203B41FA5}">
+                      <a16:colId xmlns:a16="http://schemas.microsoft.com/office/drawing/2014/main" val="20006"/>
+                    </a:ext>
+                  </a:extLst>
+                </a:gridCol>
               </a:tblGrid>
               <a:tr h="370840">
                 <a:tc>
@@ -8176,18 +7923,13 @@
                     <a:p>
                       <a:pPr algn="ctr"/>
                       <a:r>
-                        <a:rPr lang="zh-CN" altLang="en-US" b="0" dirty="0" smtClean="0">
+                        <a:rPr lang="zh-CN" altLang="en-US" b="0" dirty="0">
                           <a:solidFill>
                             <a:schemeClr val="bg1"/>
                           </a:solidFill>
                         </a:rPr>
                         <a:t>呼吸</a:t>
                       </a:r>
-                      <a:endParaRPr lang="zh-CN" altLang="en-US" b="0" dirty="0">
-                        <a:solidFill>
-                          <a:schemeClr val="bg1"/>
-                        </a:solidFill>
-                      </a:endParaRPr>
                     </a:p>
                   </a:txBody>
                   <a:tcPr/>
@@ -8199,18 +7941,13 @@
                     <a:p>
                       <a:pPr algn="ctr"/>
                       <a:r>
-                        <a:rPr lang="zh-CN" altLang="en-US" b="0" dirty="0" smtClean="0">
+                        <a:rPr lang="zh-CN" altLang="en-US" b="0" dirty="0">
                           <a:solidFill>
                             <a:schemeClr val="bg1"/>
                           </a:solidFill>
                         </a:rPr>
                         <a:t>水</a:t>
                       </a:r>
-                      <a:endParaRPr lang="zh-CN" altLang="en-US" b="0" dirty="0">
-                        <a:solidFill>
-                          <a:schemeClr val="bg1"/>
-                        </a:solidFill>
-                      </a:endParaRPr>
                     </a:p>
                   </a:txBody>
                   <a:tcPr/>
@@ -8222,18 +7959,13 @@
                     <a:p>
                       <a:pPr algn="ctr"/>
                       <a:r>
-                        <a:rPr lang="zh-CN" altLang="en-US" b="0" dirty="0" smtClean="0">
+                        <a:rPr lang="zh-CN" altLang="en-US" b="0" dirty="0">
                           <a:solidFill>
                             <a:schemeClr val="bg1"/>
                           </a:solidFill>
                         </a:rPr>
                         <a:t>食物</a:t>
                       </a:r>
-                      <a:endParaRPr lang="zh-CN" altLang="en-US" b="0" dirty="0">
-                        <a:solidFill>
-                          <a:schemeClr val="bg1"/>
-                        </a:solidFill>
-                      </a:endParaRPr>
                     </a:p>
                   </a:txBody>
                   <a:tcPr/>
@@ -8245,18 +7977,13 @@
                     <a:p>
                       <a:pPr algn="ctr"/>
                       <a:r>
-                        <a:rPr lang="zh-CN" altLang="en-US" b="0" dirty="0" smtClean="0">
+                        <a:rPr lang="zh-CN" altLang="en-US" b="0" dirty="0">
                           <a:solidFill>
                             <a:schemeClr val="bg1"/>
                           </a:solidFill>
                         </a:rPr>
                         <a:t>睡眠</a:t>
                       </a:r>
-                      <a:endParaRPr lang="zh-CN" altLang="en-US" b="0" dirty="0">
-                        <a:solidFill>
-                          <a:schemeClr val="bg1"/>
-                        </a:solidFill>
-                      </a:endParaRPr>
                     </a:p>
                   </a:txBody>
                   <a:tcPr/>
@@ -8268,18 +7995,13 @@
                     <a:p>
                       <a:pPr algn="ctr"/>
                       <a:r>
-                        <a:rPr lang="zh-CN" altLang="en-US" b="0" dirty="0" smtClean="0">
+                        <a:rPr lang="zh-CN" altLang="en-US" b="0" dirty="0">
                           <a:solidFill>
                             <a:schemeClr val="bg1"/>
                           </a:solidFill>
                         </a:rPr>
                         <a:t>生理平衡</a:t>
                       </a:r>
-                      <a:endParaRPr lang="zh-CN" altLang="en-US" b="0" dirty="0">
-                        <a:solidFill>
-                          <a:schemeClr val="bg1"/>
-                        </a:solidFill>
-                      </a:endParaRPr>
                     </a:p>
                   </a:txBody>
                   <a:tcPr/>
@@ -8291,18 +8013,13 @@
                     <a:p>
                       <a:pPr algn="ctr"/>
                       <a:r>
-                        <a:rPr lang="zh-CN" altLang="en-US" b="0" dirty="0" smtClean="0">
+                        <a:rPr lang="zh-CN" altLang="en-US" b="0" dirty="0">
                           <a:solidFill>
                             <a:schemeClr val="bg1"/>
                           </a:solidFill>
                         </a:rPr>
                         <a:t>健康</a:t>
                       </a:r>
-                      <a:endParaRPr lang="zh-CN" altLang="en-US" b="0" dirty="0">
-                        <a:solidFill>
-                          <a:schemeClr val="bg1"/>
-                        </a:solidFill>
-                      </a:endParaRPr>
                     </a:p>
                   </a:txBody>
                   <a:tcPr/>
@@ -8314,22 +8031,22 @@
                     <a:p>
                       <a:pPr algn="ctr"/>
                       <a:r>
-                        <a:rPr lang="zh-CN" altLang="en-US" b="0" dirty="0" smtClean="0">
+                        <a:rPr lang="zh-CN" altLang="en-US" b="0" dirty="0">
                           <a:solidFill>
                             <a:schemeClr val="accent2"/>
                           </a:solidFill>
                         </a:rPr>
                         <a:t>性</a:t>
                       </a:r>
-                      <a:endParaRPr lang="zh-CN" altLang="en-US" b="0" dirty="0">
-                        <a:solidFill>
-                          <a:schemeClr val="accent2"/>
-                        </a:solidFill>
-                      </a:endParaRPr>
                     </a:p>
                   </a:txBody>
                   <a:tcPr/>
                 </a:tc>
+                <a:extLst>
+                  <a:ext uri="{0D108BD9-81ED-4DB2-BD59-A6C34878D82A}">
+                    <a16:rowId xmlns:a16="http://schemas.microsoft.com/office/drawing/2014/main" val="10000"/>
+                  </a:ext>
+                </a:extLst>
               </a:tr>
             </a:tbl>
           </a:graphicData>
@@ -8358,7 +8075,7 @@
           <a:lstStyle/>
           <a:p>
             <a:r>
-              <a:rPr lang="zh-CN" altLang="en-US" dirty="0" smtClean="0">
+              <a:rPr lang="zh-CN" altLang="en-US" dirty="0">
                 <a:solidFill>
                   <a:schemeClr val="bg1"/>
                 </a:solidFill>
@@ -8366,7 +8083,7 @@
               <a:t>游戏中的各种性暗示</a:t>
             </a:r>
             <a:r>
-              <a:rPr lang="en-US" altLang="zh-CN" dirty="0" smtClean="0">
+              <a:rPr lang="en-US" altLang="zh-CN" dirty="0">
                 <a:solidFill>
                   <a:schemeClr val="bg1"/>
                 </a:solidFill>
@@ -8386,13 +8103,6 @@
   <p:clrMapOvr>
     <a:masterClrMapping/>
   </p:clrMapOvr>
-  <p:timing>
-    <p:tnLst>
-      <p:par>
-        <p:cTn id="1" dur="indefinite" restart="never" nodeType="tmRoot"/>
-      </p:par>
-    </p:tnLst>
-  </p:timing>
 </p:sld>
 </file>
 
@@ -8482,18 +8192,13 @@
           <a:lstStyle/>
           <a:p>
             <a:r>
-              <a:rPr lang="zh-CN" altLang="en-US" sz="3500" dirty="0" smtClean="0">
+              <a:rPr lang="zh-CN" altLang="en-US" sz="3500" dirty="0">
                 <a:solidFill>
                   <a:prstClr val="white"/>
                 </a:solidFill>
               </a:rPr>
               <a:t>马斯洛需求层次理论</a:t>
             </a:r>
-            <a:endParaRPr lang="zh-CN" altLang="en-US" sz="3500" dirty="0">
-              <a:solidFill>
-                <a:prstClr val="white"/>
-              </a:solidFill>
-            </a:endParaRPr>
           </a:p>
         </p:txBody>
       </p:sp>
@@ -8525,18 +8230,10 @@
                   <a:prstClr val="white"/>
                 </a:solidFill>
               </a:rPr>
-              <a:t>安全</a:t>
-            </a:r>
-            <a:r>
-              <a:rPr lang="zh-CN" altLang="en-US" sz="2500" dirty="0" smtClean="0">
-                <a:solidFill>
-                  <a:prstClr val="white"/>
-                </a:solidFill>
-              </a:rPr>
-              <a:t>需求</a:t>
-            </a:r>
-            <a:r>
-              <a:rPr lang="en-US" altLang="zh-CN" sz="2500" dirty="0" smtClean="0">
+              <a:t>安全需求</a:t>
+            </a:r>
+            <a:r>
+              <a:rPr lang="en-US" altLang="zh-CN" sz="2500" dirty="0">
                 <a:solidFill>
                   <a:prstClr val="white"/>
                 </a:solidFill>
@@ -8544,18 +8241,13 @@
               <a:t>-</a:t>
             </a:r>
             <a:r>
-              <a:rPr lang="zh-CN" altLang="en-US" sz="2500" dirty="0" smtClean="0">
+              <a:rPr lang="zh-CN" altLang="en-US" sz="2500" dirty="0">
                 <a:solidFill>
                   <a:prstClr val="white"/>
                 </a:solidFill>
               </a:rPr>
               <a:t>低级需求</a:t>
             </a:r>
-            <a:endParaRPr lang="zh-CN" altLang="en-US" sz="2500" dirty="0">
-              <a:solidFill>
-                <a:prstClr val="white"/>
-              </a:solidFill>
-            </a:endParaRPr>
           </a:p>
         </p:txBody>
       </p:sp>
@@ -8578,13 +8270,55 @@
                 <a:tableStyleId>{9D7B26C5-4107-4FEC-AEDC-1716B250A1EF}</a:tableStyleId>
               </a:tblPr>
               <a:tblGrid>
-                <a:gridCol w="1434519"/>
-                <a:gridCol w="1434519"/>
-                <a:gridCol w="1434519"/>
-                <a:gridCol w="1434519"/>
-                <a:gridCol w="1267395"/>
-                <a:gridCol w="1601643"/>
-                <a:gridCol w="1434519"/>
+                <a:gridCol w="1434519">
+                  <a:extLst>
+                    <a:ext uri="{9D8B030D-6E8A-4147-A177-3AD203B41FA5}">
+                      <a16:colId xmlns:a16="http://schemas.microsoft.com/office/drawing/2014/main" val="20000"/>
+                    </a:ext>
+                  </a:extLst>
+                </a:gridCol>
+                <a:gridCol w="1434519">
+                  <a:extLst>
+                    <a:ext uri="{9D8B030D-6E8A-4147-A177-3AD203B41FA5}">
+                      <a16:colId xmlns:a16="http://schemas.microsoft.com/office/drawing/2014/main" val="20001"/>
+                    </a:ext>
+                  </a:extLst>
+                </a:gridCol>
+                <a:gridCol w="1434519">
+                  <a:extLst>
+                    <a:ext uri="{9D8B030D-6E8A-4147-A177-3AD203B41FA5}">
+                      <a16:colId xmlns:a16="http://schemas.microsoft.com/office/drawing/2014/main" val="20002"/>
+                    </a:ext>
+                  </a:extLst>
+                </a:gridCol>
+                <a:gridCol w="1434519">
+                  <a:extLst>
+                    <a:ext uri="{9D8B030D-6E8A-4147-A177-3AD203B41FA5}">
+                      <a16:colId xmlns:a16="http://schemas.microsoft.com/office/drawing/2014/main" val="20003"/>
+                    </a:ext>
+                  </a:extLst>
+                </a:gridCol>
+                <a:gridCol w="1267395">
+                  <a:extLst>
+                    <a:ext uri="{9D8B030D-6E8A-4147-A177-3AD203B41FA5}">
+                      <a16:colId xmlns:a16="http://schemas.microsoft.com/office/drawing/2014/main" val="20004"/>
+                    </a:ext>
+                  </a:extLst>
+                </a:gridCol>
+                <a:gridCol w="1601643">
+                  <a:extLst>
+                    <a:ext uri="{9D8B030D-6E8A-4147-A177-3AD203B41FA5}">
+                      <a16:colId xmlns:a16="http://schemas.microsoft.com/office/drawing/2014/main" val="20005"/>
+                    </a:ext>
+                  </a:extLst>
+                </a:gridCol>
+                <a:gridCol w="1434519">
+                  <a:extLst>
+                    <a:ext uri="{9D8B030D-6E8A-4147-A177-3AD203B41FA5}">
+                      <a16:colId xmlns:a16="http://schemas.microsoft.com/office/drawing/2014/main" val="20006"/>
+                    </a:ext>
+                  </a:extLst>
+                </a:gridCol>
               </a:tblGrid>
               <a:tr h="487697">
                 <a:tc>
@@ -8600,11 +8334,6 @@
                         </a:rPr>
                         <a:t>人身安全　</a:t>
                       </a:r>
-                      <a:endParaRPr lang="zh-CN" altLang="en-US" b="0" dirty="0">
-                        <a:solidFill>
-                          <a:schemeClr val="bg1"/>
-                        </a:solidFill>
-                      </a:endParaRPr>
                     </a:p>
                   </a:txBody>
                   <a:tcPr/>
@@ -8622,11 +8351,6 @@
                         </a:rPr>
                         <a:t>健康保障　</a:t>
                       </a:r>
-                      <a:endParaRPr lang="zh-CN" altLang="en-US" b="0" dirty="0">
-                        <a:solidFill>
-                          <a:schemeClr val="bg1"/>
-                        </a:solidFill>
-                      </a:endParaRPr>
                     </a:p>
                   </a:txBody>
                   <a:tcPr/>
@@ -8644,11 +8368,6 @@
                         </a:rPr>
                         <a:t>资源所有性</a:t>
                       </a:r>
-                      <a:endParaRPr lang="zh-CN" altLang="en-US" b="0" dirty="0">
-                        <a:solidFill>
-                          <a:schemeClr val="bg1"/>
-                        </a:solidFill>
-                      </a:endParaRPr>
                     </a:p>
                   </a:txBody>
                   <a:tcPr/>
@@ -8660,26 +8379,13 @@
                     <a:p>
                       <a:pPr algn="l"/>
                       <a:r>
-                        <a:rPr lang="zh-CN" altLang="en-US" b="0" dirty="0" smtClean="0">
-                          <a:solidFill>
-                            <a:schemeClr val="bg1"/>
-                          </a:solidFill>
-                        </a:rPr>
-                        <a:t>财产所</a:t>
-                      </a:r>
-                      <a:r>
                         <a:rPr lang="zh-CN" altLang="en-US" b="0" dirty="0">
                           <a:solidFill>
                             <a:schemeClr val="bg1"/>
                           </a:solidFill>
                         </a:rPr>
-                        <a:t>有性　</a:t>
+                        <a:t>财产所有性　</a:t>
                       </a:r>
-                      <a:endParaRPr lang="zh-CN" altLang="en-US" b="0" dirty="0">
-                        <a:solidFill>
-                          <a:schemeClr val="bg1"/>
-                        </a:solidFill>
-                      </a:endParaRPr>
                     </a:p>
                   </a:txBody>
                   <a:tcPr/>
@@ -8697,11 +8403,6 @@
                         </a:rPr>
                         <a:t>道德保障　</a:t>
                       </a:r>
-                      <a:endParaRPr lang="zh-CN" altLang="en-US" b="0" dirty="0">
-                        <a:solidFill>
-                          <a:schemeClr val="bg1"/>
-                        </a:solidFill>
-                      </a:endParaRPr>
                     </a:p>
                   </a:txBody>
                   <a:tcPr/>
@@ -8718,21 +8419,8 @@
                             <a:schemeClr val="bg1"/>
                           </a:solidFill>
                         </a:rPr>
-                        <a:t>工作职位保</a:t>
+                        <a:t>工作职位保障</a:t>
                       </a:r>
-                      <a:r>
-                        <a:rPr lang="zh-CN" altLang="en-US" b="0" dirty="0" smtClean="0">
-                          <a:solidFill>
-                            <a:schemeClr val="bg1"/>
-                          </a:solidFill>
-                        </a:rPr>
-                        <a:t>障</a:t>
-                      </a:r>
-                      <a:endParaRPr lang="zh-CN" altLang="en-US" b="0" dirty="0">
-                        <a:solidFill>
-                          <a:schemeClr val="bg1"/>
-                        </a:solidFill>
-                      </a:endParaRPr>
                     </a:p>
                   </a:txBody>
                   <a:tcPr/>
@@ -8750,15 +8438,15 @@
                         </a:rPr>
                         <a:t>家庭安全</a:t>
                       </a:r>
-                      <a:endParaRPr lang="zh-CN" altLang="en-US" b="0" dirty="0">
-                        <a:solidFill>
-                          <a:schemeClr val="bg1"/>
-                        </a:solidFill>
-                      </a:endParaRPr>
                     </a:p>
                   </a:txBody>
                   <a:tcPr/>
                 </a:tc>
+                <a:extLst>
+                  <a:ext uri="{0D108BD9-81ED-4DB2-BD59-A6C34878D82A}">
+                    <a16:rowId xmlns:a16="http://schemas.microsoft.com/office/drawing/2014/main" val="10000"/>
+                  </a:ext>
+                </a:extLst>
               </a:tr>
             </a:tbl>
           </a:graphicData>
@@ -8769,13 +8457,6 @@
   <p:clrMapOvr>
     <a:masterClrMapping/>
   </p:clrMapOvr>
-  <p:timing>
-    <p:tnLst>
-      <p:par>
-        <p:cTn id="1" dur="indefinite" restart="never" nodeType="tmRoot"/>
-      </p:par>
-    </p:tnLst>
-  </p:timing>
 </p:sld>
 </file>
 
@@ -8865,18 +8546,13 @@
           <a:lstStyle/>
           <a:p>
             <a:r>
-              <a:rPr lang="zh-CN" altLang="en-US" sz="3500" dirty="0" smtClean="0">
+              <a:rPr lang="zh-CN" altLang="en-US" sz="3500" dirty="0">
                 <a:solidFill>
                   <a:prstClr val="white"/>
                 </a:solidFill>
               </a:rPr>
               <a:t>马斯洛需求层次理论</a:t>
             </a:r>
-            <a:endParaRPr lang="zh-CN" altLang="en-US" sz="3500" dirty="0">
-              <a:solidFill>
-                <a:prstClr val="white"/>
-              </a:solidFill>
-            </a:endParaRPr>
           </a:p>
         </p:txBody>
       </p:sp>
@@ -8908,18 +8584,10 @@
                   <a:prstClr val="white"/>
                 </a:solidFill>
               </a:rPr>
-              <a:t>社会</a:t>
-            </a:r>
-            <a:r>
-              <a:rPr lang="zh-CN" altLang="en-US" sz="2500" dirty="0" smtClean="0">
-                <a:solidFill>
-                  <a:prstClr val="white"/>
-                </a:solidFill>
-              </a:rPr>
-              <a:t>需求</a:t>
-            </a:r>
-            <a:r>
-              <a:rPr lang="en-US" altLang="zh-CN" sz="2500" dirty="0" smtClean="0">
+              <a:t>社会需求</a:t>
+            </a:r>
+            <a:r>
+              <a:rPr lang="en-US" altLang="zh-CN" sz="2500" dirty="0">
                 <a:solidFill>
                   <a:prstClr val="white"/>
                 </a:solidFill>
@@ -8927,18 +8595,13 @@
               <a:t>-</a:t>
             </a:r>
             <a:r>
-              <a:rPr lang="zh-CN" altLang="en-US" sz="2500" dirty="0" smtClean="0">
+              <a:rPr lang="zh-CN" altLang="en-US" sz="2500" dirty="0">
                 <a:solidFill>
                   <a:prstClr val="white"/>
                 </a:solidFill>
               </a:rPr>
               <a:t>高级需求</a:t>
             </a:r>
-            <a:endParaRPr lang="zh-CN" altLang="en-US" sz="2500" dirty="0">
-              <a:solidFill>
-                <a:prstClr val="white"/>
-              </a:solidFill>
-            </a:endParaRPr>
           </a:p>
         </p:txBody>
       </p:sp>
@@ -8961,11 +8624,41 @@
                 <a:tableStyleId>{9D7B26C5-4107-4FEC-AEDC-1716B250A1EF}</a:tableStyleId>
               </a:tblPr>
               <a:tblGrid>
-                <a:gridCol w="1166723"/>
-                <a:gridCol w="1166723"/>
-                <a:gridCol w="1166723"/>
-                <a:gridCol w="1166723"/>
-                <a:gridCol w="1166723"/>
+                <a:gridCol w="1166723">
+                  <a:extLst>
+                    <a:ext uri="{9D8B030D-6E8A-4147-A177-3AD203B41FA5}">
+                      <a16:colId xmlns:a16="http://schemas.microsoft.com/office/drawing/2014/main" val="20000"/>
+                    </a:ext>
+                  </a:extLst>
+                </a:gridCol>
+                <a:gridCol w="1166723">
+                  <a:extLst>
+                    <a:ext uri="{9D8B030D-6E8A-4147-A177-3AD203B41FA5}">
+                      <a16:colId xmlns:a16="http://schemas.microsoft.com/office/drawing/2014/main" val="20001"/>
+                    </a:ext>
+                  </a:extLst>
+                </a:gridCol>
+                <a:gridCol w="1166723">
+                  <a:extLst>
+                    <a:ext uri="{9D8B030D-6E8A-4147-A177-3AD203B41FA5}">
+                      <a16:colId xmlns:a16="http://schemas.microsoft.com/office/drawing/2014/main" val="20002"/>
+                    </a:ext>
+                  </a:extLst>
+                </a:gridCol>
+                <a:gridCol w="1166723">
+                  <a:extLst>
+                    <a:ext uri="{9D8B030D-6E8A-4147-A177-3AD203B41FA5}">
+                      <a16:colId xmlns:a16="http://schemas.microsoft.com/office/drawing/2014/main" val="20003"/>
+                    </a:ext>
+                  </a:extLst>
+                </a:gridCol>
+                <a:gridCol w="1166723">
+                  <a:extLst>
+                    <a:ext uri="{9D8B030D-6E8A-4147-A177-3AD203B41FA5}">
+                      <a16:colId xmlns:a16="http://schemas.microsoft.com/office/drawing/2014/main" val="20004"/>
+                    </a:ext>
+                  </a:extLst>
+                </a:gridCol>
               </a:tblGrid>
               <a:tr h="370840">
                 <a:tc>
@@ -8975,18 +8668,13 @@
                     <a:p>
                       <a:pPr algn="ctr"/>
                       <a:r>
-                        <a:rPr lang="zh-CN" altLang="en-US" b="0" dirty="0" smtClean="0">
+                        <a:rPr lang="zh-CN" altLang="en-US" b="0" dirty="0">
                           <a:solidFill>
                             <a:schemeClr val="bg1"/>
                           </a:solidFill>
                         </a:rPr>
                         <a:t>友谊</a:t>
                       </a:r>
-                      <a:endParaRPr lang="zh-CN" altLang="en-US" b="0" dirty="0">
-                        <a:solidFill>
-                          <a:schemeClr val="bg1"/>
-                        </a:solidFill>
-                      </a:endParaRPr>
                     </a:p>
                   </a:txBody>
                   <a:tcPr/>
@@ -8998,18 +8686,13 @@
                     <a:p>
                       <a:pPr algn="ctr"/>
                       <a:r>
-                        <a:rPr lang="zh-CN" altLang="en-US" b="0" dirty="0" smtClean="0">
+                        <a:rPr lang="zh-CN" altLang="en-US" b="0" dirty="0">
                           <a:solidFill>
                             <a:schemeClr val="bg1"/>
                           </a:solidFill>
                         </a:rPr>
                         <a:t>爱情</a:t>
                       </a:r>
-                      <a:endParaRPr lang="zh-CN" altLang="en-US" b="0" dirty="0">
-                        <a:solidFill>
-                          <a:schemeClr val="bg1"/>
-                        </a:solidFill>
-                      </a:endParaRPr>
                     </a:p>
                   </a:txBody>
                   <a:tcPr/>
@@ -9021,18 +8704,13 @@
                     <a:p>
                       <a:pPr algn="ctr"/>
                       <a:r>
-                        <a:rPr lang="zh-CN" altLang="en-US" b="0" dirty="0" smtClean="0">
+                        <a:rPr lang="zh-CN" altLang="en-US" b="0" dirty="0">
                           <a:solidFill>
                             <a:schemeClr val="bg1"/>
                           </a:solidFill>
                         </a:rPr>
                         <a:t>隶属关系</a:t>
                       </a:r>
-                      <a:endParaRPr lang="zh-CN" altLang="en-US" b="0" dirty="0">
-                        <a:solidFill>
-                          <a:schemeClr val="bg1"/>
-                        </a:solidFill>
-                      </a:endParaRPr>
                     </a:p>
                   </a:txBody>
                   <a:tcPr/>
@@ -9044,18 +8722,13 @@
                     <a:p>
                       <a:pPr algn="ctr"/>
                       <a:r>
-                        <a:rPr lang="zh-CN" altLang="en-US" b="0" dirty="0" smtClean="0">
+                        <a:rPr lang="zh-CN" altLang="en-US" b="0" dirty="0">
                           <a:solidFill>
                             <a:schemeClr val="bg1"/>
                           </a:solidFill>
                         </a:rPr>
                         <a:t>社交</a:t>
                       </a:r>
-                      <a:endParaRPr lang="zh-CN" altLang="en-US" b="0" dirty="0">
-                        <a:solidFill>
-                          <a:schemeClr val="bg1"/>
-                        </a:solidFill>
-                      </a:endParaRPr>
                     </a:p>
                   </a:txBody>
                   <a:tcPr/>
@@ -9067,7 +8740,7 @@
                     <a:p>
                       <a:pPr algn="ctr"/>
                       <a:r>
-                        <a:rPr lang="en-US" altLang="zh-CN" b="0" dirty="0" smtClean="0">
+                        <a:rPr lang="en-US" altLang="zh-CN" b="0" dirty="0">
                           <a:solidFill>
                             <a:schemeClr val="bg1"/>
                           </a:solidFill>
@@ -9083,6 +8756,11 @@
                   </a:txBody>
                   <a:tcPr/>
                 </a:tc>
+                <a:extLst>
+                  <a:ext uri="{0D108BD9-81ED-4DB2-BD59-A6C34878D82A}">
+                    <a16:rowId xmlns:a16="http://schemas.microsoft.com/office/drawing/2014/main" val="10000"/>
+                  </a:ext>
+                </a:extLst>
               </a:tr>
             </a:tbl>
           </a:graphicData>
@@ -9111,7 +8789,7 @@
           <a:lstStyle/>
           <a:p>
             <a:r>
-              <a:rPr lang="zh-CN" altLang="en-US" dirty="0" smtClean="0">
+              <a:rPr lang="zh-CN" altLang="en-US" dirty="0">
                 <a:solidFill>
                   <a:schemeClr val="bg1"/>
                 </a:solidFill>
@@ -9119,7 +8797,7 @@
               <a:t>游戏中的公会，组队</a:t>
             </a:r>
             <a:r>
-              <a:rPr lang="en-US" altLang="zh-CN" dirty="0" smtClean="0">
+              <a:rPr lang="en-US" altLang="zh-CN" dirty="0">
                 <a:solidFill>
                   <a:schemeClr val="bg1"/>
                 </a:solidFill>
@@ -9139,13 +8817,6 @@
   <p:clrMapOvr>
     <a:masterClrMapping/>
   </p:clrMapOvr>
-  <p:timing>
-    <p:tnLst>
-      <p:par>
-        <p:cTn id="1" dur="indefinite" restart="never" nodeType="tmRoot"/>
-      </p:par>
-    </p:tnLst>
-  </p:timing>
 </p:sld>
 </file>
 
@@ -9235,18 +8906,13 @@
           <a:lstStyle/>
           <a:p>
             <a:r>
-              <a:rPr lang="zh-CN" altLang="en-US" sz="3500" dirty="0" smtClean="0">
+              <a:rPr lang="zh-CN" altLang="en-US" sz="3500" dirty="0">
                 <a:solidFill>
                   <a:prstClr val="white"/>
                 </a:solidFill>
               </a:rPr>
               <a:t>马斯洛需求层次理论</a:t>
             </a:r>
-            <a:endParaRPr lang="zh-CN" altLang="en-US" sz="3500" dirty="0">
-              <a:solidFill>
-                <a:prstClr val="white"/>
-              </a:solidFill>
-            </a:endParaRPr>
           </a:p>
         </p:txBody>
       </p:sp>
@@ -9278,18 +8944,10 @@
                   <a:prstClr val="white"/>
                 </a:solidFill>
               </a:rPr>
-              <a:t>尊重</a:t>
-            </a:r>
-            <a:r>
-              <a:rPr lang="zh-CN" altLang="en-US" sz="2500" dirty="0" smtClean="0">
-                <a:solidFill>
-                  <a:prstClr val="white"/>
-                </a:solidFill>
-              </a:rPr>
-              <a:t>需求</a:t>
-            </a:r>
-            <a:r>
-              <a:rPr lang="en-US" altLang="zh-CN" sz="2500" dirty="0" smtClean="0">
+              <a:t>尊重需求</a:t>
+            </a:r>
+            <a:r>
+              <a:rPr lang="en-US" altLang="zh-CN" sz="2500" dirty="0">
                 <a:solidFill>
                   <a:prstClr val="white"/>
                 </a:solidFill>
@@ -9297,18 +8955,13 @@
               <a:t>-</a:t>
             </a:r>
             <a:r>
-              <a:rPr lang="zh-CN" altLang="en-US" sz="2500" dirty="0" smtClean="0">
+              <a:rPr lang="zh-CN" altLang="en-US" sz="2500" dirty="0">
                 <a:solidFill>
                   <a:prstClr val="white"/>
                 </a:solidFill>
               </a:rPr>
               <a:t>高级需求</a:t>
             </a:r>
-            <a:endParaRPr lang="zh-CN" altLang="en-US" sz="2500" dirty="0">
-              <a:solidFill>
-                <a:prstClr val="white"/>
-              </a:solidFill>
-            </a:endParaRPr>
           </a:p>
         </p:txBody>
       </p:sp>
@@ -9331,11 +8984,41 @@
                 <a:tableStyleId>{9D7B26C5-4107-4FEC-AEDC-1716B250A1EF}</a:tableStyleId>
               </a:tblPr>
               <a:tblGrid>
-                <a:gridCol w="1468565"/>
-                <a:gridCol w="1468565"/>
-                <a:gridCol w="1138714"/>
-                <a:gridCol w="1798416"/>
-                <a:gridCol w="1468565"/>
+                <a:gridCol w="1468565">
+                  <a:extLst>
+                    <a:ext uri="{9D8B030D-6E8A-4147-A177-3AD203B41FA5}">
+                      <a16:colId xmlns:a16="http://schemas.microsoft.com/office/drawing/2014/main" val="20000"/>
+                    </a:ext>
+                  </a:extLst>
+                </a:gridCol>
+                <a:gridCol w="1468565">
+                  <a:extLst>
+                    <a:ext uri="{9D8B030D-6E8A-4147-A177-3AD203B41FA5}">
+                      <a16:colId xmlns:a16="http://schemas.microsoft.com/office/drawing/2014/main" val="20001"/>
+                    </a:ext>
+                  </a:extLst>
+                </a:gridCol>
+                <a:gridCol w="1138714">
+                  <a:extLst>
+                    <a:ext uri="{9D8B030D-6E8A-4147-A177-3AD203B41FA5}">
+                      <a16:colId xmlns:a16="http://schemas.microsoft.com/office/drawing/2014/main" val="20002"/>
+                    </a:ext>
+                  </a:extLst>
+                </a:gridCol>
+                <a:gridCol w="1798416">
+                  <a:extLst>
+                    <a:ext uri="{9D8B030D-6E8A-4147-A177-3AD203B41FA5}">
+                      <a16:colId xmlns:a16="http://schemas.microsoft.com/office/drawing/2014/main" val="20003"/>
+                    </a:ext>
+                  </a:extLst>
+                </a:gridCol>
+                <a:gridCol w="1468565">
+                  <a:extLst>
+                    <a:ext uri="{9D8B030D-6E8A-4147-A177-3AD203B41FA5}">
+                      <a16:colId xmlns:a16="http://schemas.microsoft.com/office/drawing/2014/main" val="20004"/>
+                    </a:ext>
+                  </a:extLst>
+                </a:gridCol>
               </a:tblGrid>
               <a:tr h="370840">
                 <a:tc>
@@ -9345,26 +9028,13 @@
                     <a:p>
                       <a:pPr algn="ctr"/>
                       <a:r>
-                        <a:rPr lang="zh-CN" altLang="en-US" b="0" dirty="0" smtClean="0">
-                          <a:solidFill>
-                            <a:schemeClr val="bg1"/>
-                          </a:solidFill>
-                        </a:rPr>
-                        <a:t>名声</a:t>
-                      </a:r>
-                      <a:r>
                         <a:rPr lang="zh-CN" altLang="en-US" b="0" dirty="0">
                           <a:solidFill>
                             <a:schemeClr val="bg1"/>
                           </a:solidFill>
                         </a:rPr>
-                        <a:t>　</a:t>
+                        <a:t>名声　</a:t>
                       </a:r>
-                      <a:endParaRPr lang="zh-CN" altLang="en-US" b="0" dirty="0">
-                        <a:solidFill>
-                          <a:schemeClr val="bg1"/>
-                        </a:solidFill>
-                      </a:endParaRPr>
                     </a:p>
                   </a:txBody>
                   <a:tcPr/>
@@ -9376,18 +9046,13 @@
                     <a:p>
                       <a:pPr algn="ctr"/>
                       <a:r>
-                        <a:rPr lang="zh-CN" altLang="en-US" b="0" dirty="0" smtClean="0">
+                        <a:rPr lang="zh-CN" altLang="en-US" b="0" dirty="0">
                           <a:solidFill>
                             <a:schemeClr val="bg1"/>
                           </a:solidFill>
                         </a:rPr>
                         <a:t>地位</a:t>
                       </a:r>
-                      <a:endParaRPr lang="zh-CN" altLang="en-US" b="0" dirty="0">
-                        <a:solidFill>
-                          <a:schemeClr val="bg1"/>
-                        </a:solidFill>
-                      </a:endParaRPr>
                     </a:p>
                   </a:txBody>
                   <a:tcPr/>
@@ -9406,11 +9071,6 @@
                         </a:rPr>
                         <a:t>成就　</a:t>
                       </a:r>
-                      <a:endParaRPr lang="zh-CN" altLang="en-US" b="0">
-                        <a:solidFill>
-                          <a:schemeClr val="bg1"/>
-                        </a:solidFill>
-                      </a:endParaRPr>
                     </a:p>
                   </a:txBody>
                   <a:tcPr/>
@@ -9427,29 +9087,8 @@
                             <a:schemeClr val="bg1"/>
                           </a:solidFill>
                         </a:rPr>
-                        <a:t>被</a:t>
+                        <a:t>被他人尊重</a:t>
                       </a:r>
-                      <a:r>
-                        <a:rPr lang="zh-CN" altLang="en-US" b="0" dirty="0" smtClean="0">
-                          <a:solidFill>
-                            <a:schemeClr val="bg1"/>
-                          </a:solidFill>
-                        </a:rPr>
-                        <a:t>他</a:t>
-                      </a:r>
-                      <a:r>
-                        <a:rPr lang="zh-CN" altLang="en-US" b="0" dirty="0">
-                          <a:solidFill>
-                            <a:schemeClr val="bg1"/>
-                          </a:solidFill>
-                        </a:rPr>
-                        <a:t>人尊重</a:t>
-                      </a:r>
-                      <a:endParaRPr lang="zh-CN" altLang="en-US" b="0" dirty="0">
-                        <a:solidFill>
-                          <a:schemeClr val="bg1"/>
-                        </a:solidFill>
-                      </a:endParaRPr>
                     </a:p>
                   </a:txBody>
                   <a:tcPr/>
@@ -9461,7 +9100,7 @@
                     <a:p>
                       <a:pPr algn="ctr"/>
                       <a:r>
-                        <a:rPr lang="en-US" altLang="zh-CN" b="0" dirty="0" smtClean="0">
+                        <a:rPr lang="en-US" altLang="zh-CN" b="0" dirty="0">
                           <a:solidFill>
                             <a:schemeClr val="bg1"/>
                           </a:solidFill>
@@ -9477,6 +9116,11 @@
                   </a:txBody>
                   <a:tcPr/>
                 </a:tc>
+                <a:extLst>
+                  <a:ext uri="{0D108BD9-81ED-4DB2-BD59-A6C34878D82A}">
+                    <a16:rowId xmlns:a16="http://schemas.microsoft.com/office/drawing/2014/main" val="10000"/>
+                  </a:ext>
+                </a:extLst>
               </a:tr>
             </a:tbl>
           </a:graphicData>
@@ -9505,7 +9149,7 @@
           <a:lstStyle/>
           <a:p>
             <a:r>
-              <a:rPr lang="zh-CN" altLang="en-US" dirty="0" smtClean="0">
+              <a:rPr lang="zh-CN" altLang="en-US" dirty="0">
                 <a:solidFill>
                   <a:schemeClr val="bg1"/>
                 </a:solidFill>
@@ -9513,7 +9157,7 @@
               <a:t>游戏中的排行榜、称号、段位、精彩视频推荐</a:t>
             </a:r>
             <a:r>
-              <a:rPr lang="en-US" altLang="zh-CN" dirty="0" smtClean="0">
+              <a:rPr lang="en-US" altLang="zh-CN" dirty="0">
                 <a:solidFill>
                   <a:schemeClr val="bg1"/>
                 </a:solidFill>
@@ -9533,13 +9177,6 @@
   <p:clrMapOvr>
     <a:masterClrMapping/>
   </p:clrMapOvr>
-  <p:timing>
-    <p:tnLst>
-      <p:par>
-        <p:cTn id="1" dur="indefinite" restart="never" nodeType="tmRoot"/>
-      </p:par>
-    </p:tnLst>
-  </p:timing>
 </p:sld>
 </file>
 
@@ -9629,18 +9266,13 @@
           <a:lstStyle/>
           <a:p>
             <a:r>
-              <a:rPr lang="zh-CN" altLang="en-US" sz="3500" dirty="0" smtClean="0">
+              <a:rPr lang="zh-CN" altLang="en-US" sz="3500" dirty="0">
                 <a:solidFill>
                   <a:prstClr val="white"/>
                 </a:solidFill>
               </a:rPr>
               <a:t>马斯洛需求层次理论</a:t>
             </a:r>
-            <a:endParaRPr lang="zh-CN" altLang="en-US" sz="3500" dirty="0">
-              <a:solidFill>
-                <a:prstClr val="white"/>
-              </a:solidFill>
-            </a:endParaRPr>
           </a:p>
         </p:txBody>
       </p:sp>
@@ -9667,7 +9299,7 @@
           <a:lstStyle/>
           <a:p>
             <a:r>
-              <a:rPr lang="zh-CN" altLang="en-US" sz="2500" dirty="0" smtClean="0">
+              <a:rPr lang="zh-CN" altLang="en-US" sz="2500" dirty="0">
                 <a:solidFill>
                   <a:prstClr val="white"/>
                 </a:solidFill>
@@ -9675,7 +9307,7 @@
               <a:t>自我实现需求</a:t>
             </a:r>
             <a:r>
-              <a:rPr lang="en-US" altLang="zh-CN" sz="2500" dirty="0" smtClean="0">
+              <a:rPr lang="en-US" altLang="zh-CN" sz="2500" dirty="0">
                 <a:solidFill>
                   <a:prstClr val="white"/>
                 </a:solidFill>
@@ -9683,18 +9315,13 @@
               <a:t>-</a:t>
             </a:r>
             <a:r>
-              <a:rPr lang="zh-CN" altLang="en-US" sz="2500" dirty="0" smtClean="0">
+              <a:rPr lang="zh-CN" altLang="en-US" sz="2500" dirty="0">
                 <a:solidFill>
                   <a:prstClr val="white"/>
                 </a:solidFill>
               </a:rPr>
               <a:t>高级需求</a:t>
             </a:r>
-            <a:endParaRPr lang="zh-CN" altLang="en-US" sz="2500" dirty="0">
-              <a:solidFill>
-                <a:prstClr val="white"/>
-              </a:solidFill>
-            </a:endParaRPr>
           </a:p>
         </p:txBody>
       </p:sp>
@@ -9717,12 +9344,48 @@
                 <a:tableStyleId>{9D7B26C5-4107-4FEC-AEDC-1716B250A1EF}</a:tableStyleId>
               </a:tblPr>
               <a:tblGrid>
-                <a:gridCol w="1570033"/>
-                <a:gridCol w="1570033"/>
-                <a:gridCol w="1570033"/>
-                <a:gridCol w="1570033"/>
-                <a:gridCol w="1570033"/>
-                <a:gridCol w="1570033"/>
+                <a:gridCol w="1570033">
+                  <a:extLst>
+                    <a:ext uri="{9D8B030D-6E8A-4147-A177-3AD203B41FA5}">
+                      <a16:colId xmlns:a16="http://schemas.microsoft.com/office/drawing/2014/main" val="20000"/>
+                    </a:ext>
+                  </a:extLst>
+                </a:gridCol>
+                <a:gridCol w="1570033">
+                  <a:extLst>
+                    <a:ext uri="{9D8B030D-6E8A-4147-A177-3AD203B41FA5}">
+                      <a16:colId xmlns:a16="http://schemas.microsoft.com/office/drawing/2014/main" val="20001"/>
+                    </a:ext>
+                  </a:extLst>
+                </a:gridCol>
+                <a:gridCol w="1570033">
+                  <a:extLst>
+                    <a:ext uri="{9D8B030D-6E8A-4147-A177-3AD203B41FA5}">
+                      <a16:colId xmlns:a16="http://schemas.microsoft.com/office/drawing/2014/main" val="20002"/>
+                    </a:ext>
+                  </a:extLst>
+                </a:gridCol>
+                <a:gridCol w="1570033">
+                  <a:extLst>
+                    <a:ext uri="{9D8B030D-6E8A-4147-A177-3AD203B41FA5}">
+                      <a16:colId xmlns:a16="http://schemas.microsoft.com/office/drawing/2014/main" val="20003"/>
+                    </a:ext>
+                  </a:extLst>
+                </a:gridCol>
+                <a:gridCol w="1570033">
+                  <a:extLst>
+                    <a:ext uri="{9D8B030D-6E8A-4147-A177-3AD203B41FA5}">
+                      <a16:colId xmlns:a16="http://schemas.microsoft.com/office/drawing/2014/main" val="20004"/>
+                    </a:ext>
+                  </a:extLst>
+                </a:gridCol>
+                <a:gridCol w="1570033">
+                  <a:extLst>
+                    <a:ext uri="{9D8B030D-6E8A-4147-A177-3AD203B41FA5}">
+                      <a16:colId xmlns:a16="http://schemas.microsoft.com/office/drawing/2014/main" val="20005"/>
+                    </a:ext>
+                  </a:extLst>
+                </a:gridCol>
               </a:tblGrid>
               <a:tr h="370840">
                 <a:tc>
@@ -9737,21 +9400,8 @@
                             <a:schemeClr val="bg1"/>
                           </a:solidFill>
                         </a:rPr>
-                        <a:t>道</a:t>
+                        <a:t>道德</a:t>
                       </a:r>
-                      <a:r>
-                        <a:rPr lang="zh-CN" altLang="en-US" b="0" dirty="0" smtClean="0">
-                          <a:solidFill>
-                            <a:schemeClr val="bg1"/>
-                          </a:solidFill>
-                        </a:rPr>
-                        <a:t>德</a:t>
-                      </a:r>
-                      <a:endParaRPr lang="zh-CN" altLang="en-US" b="0" dirty="0">
-                        <a:solidFill>
-                          <a:schemeClr val="bg1"/>
-                        </a:solidFill>
-                      </a:endParaRPr>
                     </a:p>
                   </a:txBody>
                   <a:tcPr/>
@@ -9768,21 +9418,8 @@
                             <a:schemeClr val="bg1"/>
                           </a:solidFill>
                         </a:rPr>
-                        <a:t>创造</a:t>
+                        <a:t>创造力</a:t>
                       </a:r>
-                      <a:r>
-                        <a:rPr lang="zh-CN" altLang="en-US" b="0" dirty="0" smtClean="0">
-                          <a:solidFill>
-                            <a:schemeClr val="bg1"/>
-                          </a:solidFill>
-                        </a:rPr>
-                        <a:t>力</a:t>
-                      </a:r>
-                      <a:endParaRPr lang="zh-CN" altLang="en-US" b="0" dirty="0">
-                        <a:solidFill>
-                          <a:schemeClr val="bg1"/>
-                        </a:solidFill>
-                      </a:endParaRPr>
                     </a:p>
                   </a:txBody>
                   <a:tcPr/>
@@ -9799,21 +9436,8 @@
                             <a:schemeClr val="bg1"/>
                           </a:solidFill>
                         </a:rPr>
-                        <a:t>自觉</a:t>
+                        <a:t>自觉性</a:t>
                       </a:r>
-                      <a:r>
-                        <a:rPr lang="zh-CN" altLang="en-US" b="0" dirty="0" smtClean="0">
-                          <a:solidFill>
-                            <a:schemeClr val="bg1"/>
-                          </a:solidFill>
-                        </a:rPr>
-                        <a:t>性</a:t>
-                      </a:r>
-                      <a:endParaRPr lang="zh-CN" altLang="en-US" b="0" dirty="0">
-                        <a:solidFill>
-                          <a:schemeClr val="bg1"/>
-                        </a:solidFill>
-                      </a:endParaRPr>
                     </a:p>
                   </a:txBody>
                   <a:tcPr/>
@@ -9830,21 +9454,8 @@
                             <a:schemeClr val="bg1"/>
                           </a:solidFill>
                         </a:rPr>
-                        <a:t>问题解决能</a:t>
+                        <a:t>问题解决能力</a:t>
                       </a:r>
-                      <a:r>
-                        <a:rPr lang="zh-CN" altLang="en-US" b="0" dirty="0" smtClean="0">
-                          <a:solidFill>
-                            <a:schemeClr val="bg1"/>
-                          </a:solidFill>
-                        </a:rPr>
-                        <a:t>力</a:t>
-                      </a:r>
-                      <a:endParaRPr lang="zh-CN" altLang="en-US" b="0" dirty="0">
-                        <a:solidFill>
-                          <a:schemeClr val="bg1"/>
-                        </a:solidFill>
-                      </a:endParaRPr>
                     </a:p>
                   </a:txBody>
                   <a:tcPr/>
@@ -9861,21 +9472,8 @@
                             <a:schemeClr val="bg1"/>
                           </a:solidFill>
                         </a:rPr>
-                        <a:t>公正</a:t>
+                        <a:t>公正度</a:t>
                       </a:r>
-                      <a:r>
-                        <a:rPr lang="zh-CN" altLang="en-US" b="0" dirty="0" smtClean="0">
-                          <a:solidFill>
-                            <a:schemeClr val="bg1"/>
-                          </a:solidFill>
-                        </a:rPr>
-                        <a:t>度</a:t>
-                      </a:r>
-                      <a:endParaRPr lang="zh-CN" altLang="en-US" b="0" dirty="0">
-                        <a:solidFill>
-                          <a:schemeClr val="bg1"/>
-                        </a:solidFill>
-                      </a:endParaRPr>
                     </a:p>
                   </a:txBody>
                   <a:tcPr/>
@@ -9887,7 +9485,7 @@
                     <a:p>
                       <a:pPr algn="ctr"/>
                       <a:r>
-                        <a:rPr lang="en-US" altLang="zh-CN" b="0" dirty="0" smtClean="0">
+                        <a:rPr lang="en-US" altLang="zh-CN" b="0" dirty="0">
                           <a:solidFill>
                             <a:schemeClr val="bg1"/>
                           </a:solidFill>
@@ -9903,6 +9501,11 @@
                   </a:txBody>
                   <a:tcPr/>
                 </a:tc>
+                <a:extLst>
+                  <a:ext uri="{0D108BD9-81ED-4DB2-BD59-A6C34878D82A}">
+                    <a16:rowId xmlns:a16="http://schemas.microsoft.com/office/drawing/2014/main" val="10000"/>
+                  </a:ext>
+                </a:extLst>
               </a:tr>
             </a:tbl>
           </a:graphicData>
@@ -9931,7 +9534,7 @@
           <a:lstStyle/>
           <a:p>
             <a:r>
-              <a:rPr lang="zh-CN" altLang="en-US" dirty="0" smtClean="0">
+              <a:rPr lang="zh-CN" altLang="en-US" dirty="0">
                 <a:solidFill>
                   <a:schemeClr val="bg1"/>
                 </a:solidFill>
@@ -9939,7 +9542,7 @@
               <a:t>开放世界、道德系统、</a:t>
             </a:r>
             <a:r>
-              <a:rPr lang="en-US" altLang="zh-CN" dirty="0" smtClean="0">
+              <a:rPr lang="en-US" altLang="zh-CN" dirty="0">
                 <a:solidFill>
                   <a:schemeClr val="bg1"/>
                 </a:solidFill>
@@ -9947,7 +9550,7 @@
               <a:t>COC</a:t>
             </a:r>
             <a:r>
-              <a:rPr lang="zh-CN" altLang="en-US" dirty="0" smtClean="0">
+              <a:rPr lang="zh-CN" altLang="en-US" dirty="0">
                 <a:solidFill>
                   <a:schemeClr val="bg1"/>
                 </a:solidFill>
@@ -9955,7 +9558,7 @@
               <a:t>的基地摆放、我的世界中的自由建造</a:t>
             </a:r>
             <a:r>
-              <a:rPr lang="en-US" altLang="zh-CN" dirty="0" smtClean="0">
+              <a:rPr lang="en-US" altLang="zh-CN" dirty="0">
                 <a:solidFill>
                   <a:schemeClr val="bg1"/>
                 </a:solidFill>
@@ -9975,13 +9578,6 @@
   <p:clrMapOvr>
     <a:masterClrMapping/>
   </p:clrMapOvr>
-  <p:timing>
-    <p:tnLst>
-      <p:par>
-        <p:cTn id="1" dur="indefinite" restart="never" nodeType="tmRoot"/>
-      </p:par>
-    </p:tnLst>
-  </p:timing>
 </p:sld>
 </file>
 
@@ -10078,11 +9674,6 @@
               </a:rPr>
               <a:t>游戏中的心理学</a:t>
             </a:r>
-            <a:endParaRPr lang="zh-CN" altLang="en-US" sz="3500" dirty="0">
-              <a:solidFill>
-                <a:prstClr val="white"/>
-              </a:solidFill>
-            </a:endParaRPr>
           </a:p>
         </p:txBody>
       </p:sp>
@@ -10131,11 +9722,6 @@
               </a:rPr>
               <a:t>损失厌恶</a:t>
             </a:r>
-            <a:endParaRPr lang="zh-CN" altLang="en-US" sz="2500" dirty="0">
-              <a:solidFill>
-                <a:schemeClr val="bg1"/>
-              </a:solidFill>
-            </a:endParaRPr>
           </a:p>
         </p:txBody>
       </p:sp>
@@ -10169,11 +9755,6 @@
               </a:rPr>
               <a:t>是指人们面对同样数量的收益和损失时，认为损失更加令他们难以忍受。同量的损失带来的负效用为同量收益的正效用的2.5倍。</a:t>
             </a:r>
-            <a:endParaRPr lang="zh-CN" altLang="en-US">
-              <a:solidFill>
-                <a:schemeClr val="bg1"/>
-              </a:solidFill>
-            </a:endParaRPr>
           </a:p>
         </p:txBody>
       </p:sp>
@@ -10207,11 +9788,6 @@
               </a:rPr>
               <a:t>解释</a:t>
             </a:r>
-            <a:endParaRPr lang="zh-CN" altLang="en-US">
-              <a:solidFill>
-                <a:schemeClr val="bg1"/>
-              </a:solidFill>
-            </a:endParaRPr>
           </a:p>
         </p:txBody>
       </p:sp>
@@ -10245,11 +9821,6 @@
               </a:rPr>
               <a:t>游戏中的应用</a:t>
             </a:r>
-            <a:endParaRPr lang="zh-CN" altLang="en-US">
-              <a:solidFill>
-                <a:schemeClr val="bg1"/>
-              </a:solidFill>
-            </a:endParaRPr>
           </a:p>
         </p:txBody>
       </p:sp>
@@ -10291,11 +9862,6 @@
               </a:rPr>
               <a:t>中在线不会被攻击的设定（下线会被攻击）。</a:t>
             </a:r>
-            <a:endParaRPr lang="zh-CN" altLang="en-US">
-              <a:solidFill>
-                <a:schemeClr val="bg1"/>
-              </a:solidFill>
-            </a:endParaRPr>
           </a:p>
           <a:p>
             <a:r>
@@ -10314,11 +9880,6 @@
               </a:rPr>
               <a:t>开心农场偷菜</a:t>
             </a:r>
-            <a:endParaRPr lang="zh-CN" altLang="en-US">
-              <a:solidFill>
-                <a:schemeClr val="bg1"/>
-              </a:solidFill>
-            </a:endParaRPr>
           </a:p>
           <a:p>
             <a:r>
@@ -10345,11 +9906,6 @@
               </a:rPr>
               <a:t>XXXX</a:t>
             </a:r>
-            <a:endParaRPr lang="en-US" altLang="zh-CN">
-              <a:solidFill>
-                <a:schemeClr val="bg1"/>
-              </a:solidFill>
-            </a:endParaRPr>
           </a:p>
         </p:txBody>
       </p:sp>
@@ -10358,13 +9914,6 @@
   <p:clrMapOvr>
     <a:masterClrMapping/>
   </p:clrMapOvr>
-  <p:timing>
-    <p:tnLst>
-      <p:par>
-        <p:cTn id="1" dur="indefinite" restart="never" nodeType="tmRoot"/>
-      </p:par>
-    </p:tnLst>
-  </p:timing>
 </p:sld>
 </file>
 
@@ -10461,11 +10010,6 @@
               </a:rPr>
               <a:t>游戏中的心理学</a:t>
             </a:r>
-            <a:endParaRPr lang="zh-CN" altLang="en-US" sz="3500" dirty="0">
-              <a:solidFill>
-                <a:prstClr val="white"/>
-              </a:solidFill>
-            </a:endParaRPr>
           </a:p>
         </p:txBody>
       </p:sp>
@@ -10514,11 +10058,6 @@
               </a:rPr>
               <a:t>沉没成本</a:t>
             </a:r>
-            <a:endParaRPr lang="zh-CN" altLang="en-US" sz="2500" dirty="0">
-              <a:solidFill>
-                <a:schemeClr val="bg1"/>
-              </a:solidFill>
-            </a:endParaRPr>
           </a:p>
         </p:txBody>
       </p:sp>
@@ -10552,11 +10091,6 @@
               </a:rPr>
               <a:t>是指以往发生的与当前决策无关的费用。人们在决定是否去做一件事情的时候，不仅是看这件事对自己有没有好处，而且也看过去是不是已经在这件事情上有过投入。</a:t>
             </a:r>
-            <a:endParaRPr lang="zh-CN" altLang="en-US">
-              <a:solidFill>
-                <a:schemeClr val="bg1"/>
-              </a:solidFill>
-            </a:endParaRPr>
           </a:p>
         </p:txBody>
       </p:sp>
@@ -10590,11 +10124,6 @@
               </a:rPr>
               <a:t>解释</a:t>
             </a:r>
-            <a:endParaRPr lang="zh-CN" altLang="en-US">
-              <a:solidFill>
-                <a:schemeClr val="bg1"/>
-              </a:solidFill>
-            </a:endParaRPr>
           </a:p>
         </p:txBody>
       </p:sp>
@@ -10628,11 +10157,6 @@
               </a:rPr>
               <a:t>游戏中的应用</a:t>
             </a:r>
-            <a:endParaRPr lang="zh-CN" altLang="en-US">
-              <a:solidFill>
-                <a:schemeClr val="bg1"/>
-              </a:solidFill>
-            </a:endParaRPr>
           </a:p>
         </p:txBody>
       </p:sp>
@@ -10687,13 +10211,6 @@
   <p:clrMapOvr>
     <a:masterClrMapping/>
   </p:clrMapOvr>
-  <p:timing>
-    <p:tnLst>
-      <p:par>
-        <p:cTn id="1" dur="indefinite" restart="never" nodeType="tmRoot"/>
-      </p:par>
-    </p:tnLst>
-  </p:timing>
 </p:sld>
 </file>
 
@@ -10946,6 +10463,8 @@
       </a:bgFillStyleLst>
     </a:fmtScheme>
   </a:themeElements>
+  <a:objectDefaults/>
+  <a:extraClrSchemeLst/>
   <a:extLst>
     <a:ext uri="{05A4C25C-085E-4340-85A3-A5531E510DB2}">
       <thm15:themeFamily xmlns:thm15="http://schemas.microsoft.com/office/thememl/2012/main" name="Office Theme" id="{62F939B6-93AF-4DB8-9C6B-D6C7DFDC589F}" vid="{4A3C46E8-61CC-4603-A589-7422A47A8E4A}"/>
@@ -11205,6 +10724,8 @@
       </a:bgFillStyleLst>
     </a:fmtScheme>
   </a:themeElements>
+  <a:objectDefaults/>
+  <a:extraClrSchemeLst/>
   <a:extLst>
     <a:ext uri="{05A4C25C-085E-4340-85A3-A5531E510DB2}">
       <thm15:themeFamily xmlns:thm15="http://schemas.microsoft.com/office/thememl/2012/main" name="Office Theme" id="{62F939B6-93AF-4DB8-9C6B-D6C7DFDC589F}" vid="{4A3C46E8-61CC-4603-A589-7422A47A8E4A}"/>
